--- a/new_git.pptx
+++ b/new_git.pptx
@@ -5,13 +5,15 @@
     <p:sldMasterId id="2147483648" r:id="rId1"/>
   </p:sldMasterIdLst>
   <p:notesMasterIdLst>
-    <p:notesMasterId r:id="rId6"/>
+    <p:notesMasterId r:id="rId8"/>
   </p:notesMasterIdLst>
   <p:sldIdLst>
     <p:sldId id="256" r:id="rId2"/>
-    <p:sldId id="257" r:id="rId3"/>
-    <p:sldId id="258" r:id="rId4"/>
-    <p:sldId id="259" r:id="rId5"/>
+    <p:sldId id="261" r:id="rId3"/>
+    <p:sldId id="257" r:id="rId4"/>
+    <p:sldId id="258" r:id="rId5"/>
+    <p:sldId id="259" r:id="rId6"/>
+    <p:sldId id="260" r:id="rId7"/>
   </p:sldIdLst>
   <p:sldSz cx="12192000" cy="6858000"/>
   <p:notesSz cx="6858000" cy="9144000"/>
@@ -517,7 +519,124 @@
           <a:p>
             <a:r>
               <a:rPr lang="en-US" dirty="0"/>
-              <a:t>I gave something like this talk to this group in Boston back in 2011 I think &amp; at that time I was agnostic on which system might be best—subversion &amp; mercurial were the other contenders.  No more—git won the race.</a:t>
+              <a:t>God forbid someone makes a change to an old program &amp; updated the timestamp—now you have no idea which one is ‘current’.  And maybe you’d like to see exactly what’s different about each one?</a:t>
+            </a:r>
+          </a:p>
+          <a:p>
+            <a:r>
+              <a:rPr lang="en-US" dirty="0"/>
+              <a:t>F*</a:t>
+            </a:r>
+            <a:r>
+              <a:rPr lang="en-US" dirty="0" err="1"/>
+              <a:t>cking</a:t>
+            </a:r>
+            <a:r>
+              <a:rPr lang="en-US" dirty="0"/>
+              <a:t> nightmare.</a:t>
+            </a:r>
+          </a:p>
+        </p:txBody>
+      </p:sp>
+      <p:sp>
+        <p:nvSpPr>
+          <p:cNvPr id="4" name="Slide Number Placeholder 3"/>
+          <p:cNvSpPr>
+            <a:spLocks noGrp="1"/>
+          </p:cNvSpPr>
+          <p:nvPr>
+            <p:ph type="sldNum" sz="quarter" idx="10"/>
+          </p:nvPr>
+        </p:nvSpPr>
+        <p:spPr/>
+        <p:txBody>
+          <a:bodyPr/>
+          <a:lstStyle/>
+          <a:p>
+            <a:fld id="{708147BC-2534-4C71-B80F-05BC6F2C5C6B}" type="slidenum">
+              <a:rPr lang="en-US" smtClean="0"/>
+              <a:t>2</a:t>
+            </a:fld>
+            <a:endParaRPr lang="en-US"/>
+          </a:p>
+        </p:txBody>
+      </p:sp>
+    </p:spTree>
+    <p:extLst>
+      <p:ext uri="{BB962C8B-B14F-4D97-AF65-F5344CB8AC3E}">
+        <p14:creationId xmlns:p14="http://schemas.microsoft.com/office/powerpoint/2010/main" val="2212547862"/>
+      </p:ext>
+    </p:extLst>
+  </p:cSld>
+  <p:clrMapOvr>
+    <a:masterClrMapping/>
+  </p:clrMapOvr>
+</p:notes>
+</file>
+
+<file path=ppt/notesSlides/notesSlide2.xml><?xml version="1.0" encoding="utf-8"?>
+<p:notes xmlns:a="http://schemas.openxmlformats.org/drawingml/2006/main" xmlns:r="http://schemas.openxmlformats.org/officeDocument/2006/relationships" xmlns:p="http://schemas.openxmlformats.org/presentationml/2006/main">
+  <p:cSld>
+    <p:spTree>
+      <p:nvGrpSpPr>
+        <p:cNvPr id="1" name=""/>
+        <p:cNvGrpSpPr/>
+        <p:nvPr/>
+      </p:nvGrpSpPr>
+      <p:grpSpPr>
+        <a:xfrm>
+          <a:off x="0" y="0"/>
+          <a:ext cx="0" cy="0"/>
+          <a:chOff x="0" y="0"/>
+          <a:chExt cx="0" cy="0"/>
+        </a:xfrm>
+      </p:grpSpPr>
+      <p:sp>
+        <p:nvSpPr>
+          <p:cNvPr id="2" name="Slide Image Placeholder 1"/>
+          <p:cNvSpPr>
+            <a:spLocks noGrp="1" noRot="1" noChangeAspect="1"/>
+          </p:cNvSpPr>
+          <p:nvPr>
+            <p:ph type="sldImg"/>
+          </p:nvPr>
+        </p:nvSpPr>
+        <p:spPr/>
+      </p:sp>
+      <p:sp>
+        <p:nvSpPr>
+          <p:cNvPr id="3" name="Notes Placeholder 2"/>
+          <p:cNvSpPr>
+            <a:spLocks noGrp="1"/>
+          </p:cNvSpPr>
+          <p:nvPr>
+            <p:ph type="body" idx="1"/>
+          </p:nvPr>
+        </p:nvSpPr>
+        <p:spPr/>
+        <p:txBody>
+          <a:bodyPr/>
+          <a:lstStyle/>
+          <a:p>
+            <a:r>
+              <a:rPr lang="en-US" dirty="0"/>
+              <a:t>I do the time-travelling all the time w/our </a:t>
+            </a:r>
+            <a:r>
+              <a:rPr lang="en-US" dirty="0" err="1"/>
+              <a:t>ute</a:t>
+            </a:r>
+            <a:r>
+              <a:rPr lang="en-US" dirty="0"/>
+              <a:t> job. I isolate recs that demonstrate a bug, create a dev build just from those records, see that the bug is there, then fix the code so the bug goes away &amp; commit.  That done I revert the code back to the pre-</a:t>
+            </a:r>
+            <a:r>
+              <a:rPr lang="en-US" dirty="0" err="1"/>
+              <a:t>bugfixing</a:t>
+            </a:r>
+            <a:r>
+              <a:rPr lang="en-US" dirty="0"/>
+              <a:t> state and run on a general purpose sampling of data &amp; do a PROC COMPARE on the results to make sure only the things I wanted changed have changed.  </a:t>
             </a:r>
           </a:p>
         </p:txBody>
@@ -548,7 +667,1413 @@
     </p:spTree>
     <p:extLst>
       <p:ext uri="{BB962C8B-B14F-4D97-AF65-F5344CB8AC3E}">
+        <p14:creationId xmlns:p14="http://schemas.microsoft.com/office/powerpoint/2010/main" val="3636701358"/>
+      </p:ext>
+    </p:extLst>
+  </p:cSld>
+  <p:clrMapOvr>
+    <a:masterClrMapping/>
+  </p:clrMapOvr>
+</p:notes>
+</file>
+
+<file path=ppt/notesSlides/notesSlide3.xml><?xml version="1.0" encoding="utf-8"?>
+<p:notes xmlns:a="http://schemas.openxmlformats.org/drawingml/2006/main" xmlns:r="http://schemas.openxmlformats.org/officeDocument/2006/relationships" xmlns:p="http://schemas.openxmlformats.org/presentationml/2006/main">
+  <p:cSld>
+    <p:spTree>
+      <p:nvGrpSpPr>
+        <p:cNvPr id="1" name=""/>
+        <p:cNvGrpSpPr/>
+        <p:nvPr/>
+      </p:nvGrpSpPr>
+      <p:grpSpPr>
+        <a:xfrm>
+          <a:off x="0" y="0"/>
+          <a:ext cx="0" cy="0"/>
+          <a:chOff x="0" y="0"/>
+          <a:chExt cx="0" cy="0"/>
+        </a:xfrm>
+      </p:grpSpPr>
+      <p:sp>
+        <p:nvSpPr>
+          <p:cNvPr id="2" name="Slide Image Placeholder 1"/>
+          <p:cNvSpPr>
+            <a:spLocks noGrp="1" noRot="1" noChangeAspect="1"/>
+          </p:cNvSpPr>
+          <p:nvPr>
+            <p:ph type="sldImg"/>
+          </p:nvPr>
+        </p:nvSpPr>
+        <p:spPr/>
+      </p:sp>
+      <p:sp>
+        <p:nvSpPr>
+          <p:cNvPr id="3" name="Notes Placeholder 2"/>
+          <p:cNvSpPr>
+            <a:spLocks noGrp="1"/>
+          </p:cNvSpPr>
+          <p:nvPr>
+            <p:ph type="body" idx="1"/>
+          </p:nvPr>
+        </p:nvSpPr>
+        <p:spPr/>
+        <p:txBody>
+          <a:bodyPr/>
+          <a:lstStyle/>
+          <a:p>
+            <a:r>
+              <a:rPr lang="en-US" dirty="0"/>
+              <a:t>I gave something like this talk to this group in Boston back in 2011 I think &amp; at that time I was agnostic on which system might be best—subversion &amp; mercurial were the other contenders.  No more—git won the race.</a:t>
+            </a:r>
+          </a:p>
+        </p:txBody>
+      </p:sp>
+      <p:sp>
+        <p:nvSpPr>
+          <p:cNvPr id="4" name="Slide Number Placeholder 3"/>
+          <p:cNvSpPr>
+            <a:spLocks noGrp="1"/>
+          </p:cNvSpPr>
+          <p:nvPr>
+            <p:ph type="sldNum" sz="quarter" idx="10"/>
+          </p:nvPr>
+        </p:nvSpPr>
+        <p:spPr/>
+        <p:txBody>
+          <a:bodyPr/>
+          <a:lstStyle/>
+          <a:p>
+            <a:fld id="{708147BC-2534-4C71-B80F-05BC6F2C5C6B}" type="slidenum">
+              <a:rPr lang="en-US" smtClean="0"/>
+              <a:t>4</a:t>
+            </a:fld>
+            <a:endParaRPr lang="en-US"/>
+          </a:p>
+        </p:txBody>
+      </p:sp>
+    </p:spTree>
+    <p:extLst>
+      <p:ext uri="{BB962C8B-B14F-4D97-AF65-F5344CB8AC3E}">
         <p14:creationId xmlns:p14="http://schemas.microsoft.com/office/powerpoint/2010/main" val="2825423656"/>
+      </p:ext>
+    </p:extLst>
+  </p:cSld>
+  <p:clrMapOvr>
+    <a:masterClrMapping/>
+  </p:clrMapOvr>
+</p:notes>
+</file>
+
+<file path=ppt/notesSlides/notesSlide4.xml><?xml version="1.0" encoding="utf-8"?>
+<p:notes xmlns:a="http://schemas.openxmlformats.org/drawingml/2006/main" xmlns:r="http://schemas.openxmlformats.org/officeDocument/2006/relationships" xmlns:p="http://schemas.openxmlformats.org/presentationml/2006/main">
+  <p:cSld>
+    <p:spTree>
+      <p:nvGrpSpPr>
+        <p:cNvPr id="1" name=""/>
+        <p:cNvGrpSpPr/>
+        <p:nvPr/>
+      </p:nvGrpSpPr>
+      <p:grpSpPr>
+        <a:xfrm>
+          <a:off x="0" y="0"/>
+          <a:ext cx="0" cy="0"/>
+          <a:chOff x="0" y="0"/>
+          <a:chExt cx="0" cy="0"/>
+        </a:xfrm>
+      </p:grpSpPr>
+      <p:sp>
+        <p:nvSpPr>
+          <p:cNvPr id="2" name="Slide Image Placeholder 1"/>
+          <p:cNvSpPr>
+            <a:spLocks noGrp="1" noRot="1" noChangeAspect="1"/>
+          </p:cNvSpPr>
+          <p:nvPr>
+            <p:ph type="sldImg"/>
+          </p:nvPr>
+        </p:nvSpPr>
+        <p:spPr/>
+      </p:sp>
+      <p:sp>
+        <p:nvSpPr>
+          <p:cNvPr id="3" name="Notes Placeholder 2"/>
+          <p:cNvSpPr>
+            <a:spLocks noGrp="1"/>
+          </p:cNvSpPr>
+          <p:nvPr>
+            <p:ph type="body" idx="1"/>
+          </p:nvPr>
+        </p:nvSpPr>
+        <p:spPr/>
+        <p:txBody>
+          <a:bodyPr/>
+          <a:lstStyle/>
+          <a:p>
+            <a:r>
+              <a:rPr lang="en-US" dirty="0"/>
+              <a:t>open Kraken</a:t>
+            </a:r>
+          </a:p>
+          <a:p>
+            <a:r>
+              <a:rPr lang="en-US" dirty="0"/>
+              <a:t>close whichever repo opens</a:t>
+            </a:r>
+          </a:p>
+          <a:p>
+            <a:r>
+              <a:rPr lang="en-US" dirty="0"/>
+              <a:t>start new</a:t>
+            </a:r>
+          </a:p>
+          <a:p>
+            <a:r>
+              <a:rPr lang="en-US" dirty="0"/>
+              <a:t>  git_demo1</a:t>
+            </a:r>
+          </a:p>
+          <a:p>
+            <a:r>
+              <a:rPr lang="en-US" dirty="0"/>
+              <a:t>  note it added a readme</a:t>
+            </a:r>
+          </a:p>
+          <a:p>
+            <a:r>
+              <a:rPr lang="en-US" dirty="0"/>
+              <a:t>  right-click under '</a:t>
+            </a:r>
+            <a:r>
+              <a:rPr lang="en-US" dirty="0" err="1"/>
+              <a:t>unstaged</a:t>
+            </a:r>
+            <a:r>
+              <a:rPr lang="en-US" dirty="0"/>
+              <a:t> files'</a:t>
+            </a:r>
+          </a:p>
+          <a:p>
+            <a:r>
+              <a:rPr lang="en-US" dirty="0"/>
+              <a:t>    create new</a:t>
+            </a:r>
+          </a:p>
+          <a:p>
+            <a:r>
+              <a:rPr lang="en-US" dirty="0"/>
+              <a:t>      </a:t>
+            </a:r>
+            <a:r>
+              <a:rPr lang="en-US" dirty="0" err="1"/>
+              <a:t>main.sas</a:t>
+            </a:r>
+            <a:endParaRPr lang="en-US" dirty="0"/>
+          </a:p>
+          <a:p>
+            <a:r>
+              <a:rPr lang="en-US" dirty="0"/>
+              <a:t>      right-click that--&gt; open in default program.  for me that's sublime but there's no reason it can't be SAS or whatever you're using</a:t>
+            </a:r>
+          </a:p>
+          <a:p>
+            <a:r>
+              <a:rPr lang="en-US" dirty="0"/>
+              <a:t>      </a:t>
+            </a:r>
+            <a:r>
+              <a:rPr lang="en-US" dirty="0" err="1"/>
+              <a:t>hdr</a:t>
+            </a:r>
+            <a:endParaRPr lang="en-US" dirty="0"/>
+          </a:p>
+          <a:p>
+            <a:r>
+              <a:rPr lang="en-US" dirty="0"/>
+              <a:t>      comment: Pulls some orders for suboxone.</a:t>
+            </a:r>
+          </a:p>
+          <a:p>
+            <a:endParaRPr lang="en-US" dirty="0"/>
+          </a:p>
+          <a:p>
+            <a:r>
+              <a:rPr lang="en-US" dirty="0"/>
+              <a:t>      lib </a:t>
+            </a:r>
+            <a:r>
+              <a:rPr lang="en-US" dirty="0" err="1"/>
+              <a:t>vdw</a:t>
+            </a:r>
+            <a:endParaRPr lang="en-US" dirty="0"/>
+          </a:p>
+          <a:p>
+            <a:r>
+              <a:rPr lang="en-US" dirty="0"/>
+              <a:t>      </a:t>
+            </a:r>
+            <a:r>
+              <a:rPr lang="en-US" dirty="0" err="1"/>
+              <a:t>clar</a:t>
+            </a:r>
+            <a:endParaRPr lang="en-US" dirty="0"/>
+          </a:p>
+          <a:p>
+            <a:endParaRPr lang="en-US" dirty="0"/>
+          </a:p>
+          <a:p>
+            <a:r>
+              <a:rPr lang="en-US" dirty="0"/>
+              <a:t>      </a:t>
+            </a:r>
+            <a:r>
+              <a:rPr lang="en-US" dirty="0" err="1"/>
+              <a:t>sql</a:t>
+            </a:r>
+            <a:endParaRPr lang="en-US" dirty="0"/>
+          </a:p>
+          <a:p>
+            <a:r>
+              <a:rPr lang="en-US" dirty="0"/>
+              <a:t>        create table </a:t>
+            </a:r>
+            <a:r>
+              <a:rPr lang="en-US" dirty="0" err="1"/>
+              <a:t>vdw.subox_orders</a:t>
+            </a:r>
+            <a:r>
+              <a:rPr lang="en-US" dirty="0"/>
+              <a:t> as</a:t>
+            </a:r>
+          </a:p>
+          <a:p>
+            <a:r>
+              <a:rPr lang="en-US" dirty="0"/>
+              <a:t>        select *</a:t>
+            </a:r>
+          </a:p>
+          <a:p>
+            <a:r>
+              <a:rPr lang="en-US" dirty="0"/>
+              <a:t>        from </a:t>
+            </a:r>
+            <a:r>
+              <a:rPr lang="en-US" dirty="0" err="1"/>
+              <a:t>clarity.order_med</a:t>
+            </a:r>
+            <a:endParaRPr lang="en-US" dirty="0"/>
+          </a:p>
+          <a:p>
+            <a:r>
+              <a:rPr lang="en-US" dirty="0"/>
+              <a:t>        ;</a:t>
+            </a:r>
+          </a:p>
+          <a:p>
+            <a:r>
+              <a:rPr lang="en-US" dirty="0"/>
+              <a:t>      run</a:t>
+            </a:r>
+          </a:p>
+          <a:p>
+            <a:r>
+              <a:rPr lang="en-US" dirty="0"/>
+              <a:t>      back to kraken</a:t>
+            </a:r>
+          </a:p>
+          <a:p>
+            <a:r>
+              <a:rPr lang="en-US" dirty="0"/>
+              <a:t>      note '</a:t>
+            </a:r>
+            <a:r>
+              <a:rPr lang="en-US" dirty="0" err="1"/>
+              <a:t>unstaged</a:t>
+            </a:r>
+            <a:r>
+              <a:rPr lang="en-US" dirty="0"/>
+              <a:t> files'</a:t>
+            </a:r>
+          </a:p>
+          <a:p>
+            <a:r>
+              <a:rPr lang="en-US" dirty="0"/>
+              <a:t>      file menu -&gt; open in file manager</a:t>
+            </a:r>
+          </a:p>
+          <a:p>
+            <a:endParaRPr lang="en-US" dirty="0"/>
+          </a:p>
+          <a:p>
+            <a:r>
+              <a:rPr lang="en-US" dirty="0"/>
+              <a:t>      note--not much different from normal stuff here--</a:t>
+            </a:r>
+            <a:r>
+              <a:rPr lang="en-US" dirty="0" err="1"/>
+              <a:t>sas</a:t>
+            </a:r>
+            <a:r>
+              <a:rPr lang="en-US" dirty="0"/>
+              <a:t> file, log file. the readme &amp; .git </a:t>
+            </a:r>
+            <a:r>
+              <a:rPr lang="en-US" dirty="0" err="1"/>
+              <a:t>dirs</a:t>
+            </a:r>
+            <a:r>
+              <a:rPr lang="en-US" dirty="0"/>
+              <a:t> are different, but that's it.</a:t>
+            </a:r>
+          </a:p>
+          <a:p>
+            <a:endParaRPr lang="en-US" dirty="0"/>
+          </a:p>
+          <a:p>
+            <a:r>
+              <a:rPr lang="en-US" dirty="0"/>
+              <a:t>      back to kraken</a:t>
+            </a:r>
+          </a:p>
+          <a:p>
+            <a:r>
+              <a:rPr lang="en-US" dirty="0"/>
+              <a:t>      stage </a:t>
+            </a:r>
+            <a:r>
+              <a:rPr lang="en-US" dirty="0" err="1"/>
+              <a:t>main.sas</a:t>
+            </a:r>
+            <a:endParaRPr lang="en-US" dirty="0"/>
+          </a:p>
+          <a:p>
+            <a:r>
+              <a:rPr lang="en-US" dirty="0"/>
+              <a:t>      commit title "just getting started"</a:t>
+            </a:r>
+          </a:p>
+          <a:p>
+            <a:r>
+              <a:rPr lang="en-US" dirty="0"/>
+              <a:t>      detail "a minimally functional pull of medication orders"</a:t>
+            </a:r>
+          </a:p>
+          <a:p>
+            <a:endParaRPr lang="en-US" dirty="0"/>
+          </a:p>
+          <a:p>
+            <a:r>
+              <a:rPr lang="en-US" dirty="0"/>
+              <a:t>      edit readme.md</a:t>
+            </a:r>
+          </a:p>
+          <a:p>
+            <a:r>
+              <a:rPr lang="en-US" dirty="0"/>
+              <a:t>        md means markdown. it's just text really</a:t>
+            </a:r>
+          </a:p>
+          <a:p>
+            <a:r>
+              <a:rPr lang="en-US" dirty="0"/>
+              <a:t>        feel free to ignore--it's just a convention.</a:t>
+            </a:r>
+          </a:p>
+          <a:p>
+            <a:endParaRPr lang="en-US" dirty="0"/>
+          </a:p>
+          <a:p>
+            <a:r>
+              <a:rPr lang="en-US" dirty="0"/>
+              <a:t>      but note the 'file changes in working directory' at the top--show those</a:t>
+            </a:r>
+          </a:p>
+          <a:p>
+            <a:r>
+              <a:rPr lang="en-US" dirty="0"/>
+              <a:t>      stage readme.md</a:t>
+            </a:r>
+          </a:p>
+          <a:p>
+            <a:r>
+              <a:rPr lang="en-US" dirty="0"/>
+              <a:t>      right-click the log </a:t>
+            </a:r>
+            <a:r>
+              <a:rPr lang="en-US" dirty="0" err="1"/>
+              <a:t>tho</a:t>
+            </a:r>
+            <a:r>
+              <a:rPr lang="en-US" dirty="0"/>
+              <a:t>--ignore that--ignore all files w/the extension .log actually</a:t>
+            </a:r>
+          </a:p>
+          <a:p>
+            <a:endParaRPr lang="en-US" dirty="0"/>
+          </a:p>
+          <a:p>
+            <a:r>
+              <a:rPr lang="en-US" dirty="0"/>
+              <a:t>      kraken made us a new file--.</a:t>
+            </a:r>
+            <a:r>
+              <a:rPr lang="en-US" dirty="0" err="1"/>
+              <a:t>gitignore</a:t>
+            </a:r>
+            <a:endParaRPr lang="en-US" dirty="0"/>
+          </a:p>
+          <a:p>
+            <a:r>
+              <a:rPr lang="en-US" dirty="0"/>
+              <a:t>        again--only text</a:t>
+            </a:r>
+          </a:p>
+          <a:p>
+            <a:r>
+              <a:rPr lang="en-US" dirty="0"/>
+              <a:t>        contents are pretty self explanatory</a:t>
+            </a:r>
+          </a:p>
+          <a:p>
+            <a:r>
+              <a:rPr lang="en-US" dirty="0"/>
+              <a:t>        you can add other things here too</a:t>
+            </a:r>
+          </a:p>
+          <a:p>
+            <a:r>
+              <a:rPr lang="en-US" dirty="0"/>
+              <a:t>        let's add *.sas7bdat</a:t>
+            </a:r>
+          </a:p>
+          <a:p>
+            <a:endParaRPr lang="en-US" dirty="0"/>
+          </a:p>
+          <a:p>
+            <a:r>
+              <a:rPr lang="en-US" dirty="0"/>
+              <a:t>      stage .</a:t>
+            </a:r>
+            <a:r>
+              <a:rPr lang="en-US" dirty="0" err="1"/>
+              <a:t>gitignore</a:t>
+            </a:r>
+            <a:endParaRPr lang="en-US" dirty="0"/>
+          </a:p>
+          <a:p>
+            <a:r>
+              <a:rPr lang="en-US" dirty="0"/>
+              <a:t>      commit</a:t>
+            </a:r>
+          </a:p>
+          <a:p>
+            <a:endParaRPr lang="en-US" dirty="0"/>
+          </a:p>
+          <a:p>
+            <a:r>
+              <a:rPr lang="en-US" dirty="0"/>
+              <a:t>      So now we have 3 commits</a:t>
+            </a:r>
+          </a:p>
+          <a:p>
+            <a:r>
+              <a:rPr lang="en-US" dirty="0"/>
+              <a:t>        click each one &amp; show that it shows which files have changed.</a:t>
+            </a:r>
+          </a:p>
+          <a:p>
+            <a:r>
+              <a:rPr lang="en-US" dirty="0"/>
+              <a:t>      Neat!</a:t>
+            </a:r>
+          </a:p>
+          <a:p>
+            <a:endParaRPr lang="en-US" dirty="0"/>
+          </a:p>
+          <a:p>
+            <a:r>
+              <a:rPr lang="en-US" dirty="0"/>
+              <a:t>      But let's work on our program a bit.  It's right now pulling all medication orders, but we only want</a:t>
+            </a:r>
+          </a:p>
+          <a:p>
+            <a:r>
+              <a:rPr lang="en-US" dirty="0"/>
+              <a:t>      ones for suboxone.  Those are:</a:t>
+            </a:r>
+          </a:p>
+          <a:p>
+            <a:r>
+              <a:rPr lang="en-US" dirty="0"/>
+              <a:t>      72376, 52421, 72375, 72382, 52420, 133602, 133598, 72381, 89168, 133597,</a:t>
+            </a:r>
+          </a:p>
+          <a:p>
+            <a:r>
+              <a:rPr lang="en-US" dirty="0"/>
+              <a:t>      133601, 134725, 134724, 134723, 144486, 148759, 144472, 156839, 156840,</a:t>
+            </a:r>
+          </a:p>
+          <a:p>
+            <a:r>
+              <a:rPr lang="en-US" dirty="0"/>
+              <a:t>      147766, 153825, 151929, 156841, 144501, 15831, 152266, 155947, 159267</a:t>
+            </a:r>
+          </a:p>
+          <a:p>
+            <a:endParaRPr lang="en-US" dirty="0"/>
+          </a:p>
+          <a:p>
+            <a:r>
+              <a:rPr lang="en-US" dirty="0"/>
+              <a:t>      add those in a where clause. run.</a:t>
+            </a:r>
+          </a:p>
+          <a:p>
+            <a:endParaRPr lang="en-US" dirty="0"/>
+          </a:p>
+          <a:p>
+            <a:r>
+              <a:rPr lang="en-US" dirty="0"/>
+              <a:t>      stage </a:t>
+            </a:r>
+            <a:r>
+              <a:rPr lang="en-US" dirty="0" err="1"/>
+              <a:t>main.sas</a:t>
+            </a:r>
+            <a:endParaRPr lang="en-US" dirty="0"/>
+          </a:p>
+          <a:p>
+            <a:r>
+              <a:rPr lang="en-US" dirty="0"/>
+              <a:t>      commit "Zeroing in on suboxone orders"</a:t>
+            </a:r>
+          </a:p>
+          <a:p>
+            <a:endParaRPr lang="en-US" dirty="0"/>
+          </a:p>
+          <a:p>
+            <a:r>
+              <a:rPr lang="en-US" dirty="0"/>
+              <a:t>      Later on we notice we're getting a ton of empty columns, wasting space &amp; time inspecting them.  Lets fix that</a:t>
+            </a:r>
+          </a:p>
+          <a:p>
+            <a:r>
+              <a:rPr lang="en-US" dirty="0"/>
+              <a:t>      select </a:t>
+            </a:r>
+            <a:r>
+              <a:rPr lang="en-US" dirty="0" err="1"/>
+              <a:t>om.order_med_id</a:t>
+            </a:r>
+            <a:endParaRPr lang="en-US" dirty="0"/>
+          </a:p>
+          <a:p>
+            <a:r>
+              <a:rPr lang="en-US" dirty="0"/>
+              <a:t>      , </a:t>
+            </a:r>
+            <a:r>
+              <a:rPr lang="en-US" dirty="0" err="1"/>
+              <a:t>om.pat_id</a:t>
+            </a:r>
+            <a:endParaRPr lang="en-US" dirty="0"/>
+          </a:p>
+          <a:p>
+            <a:r>
+              <a:rPr lang="en-US" dirty="0"/>
+              <a:t>      , </a:t>
+            </a:r>
+            <a:r>
+              <a:rPr lang="en-US" dirty="0" err="1"/>
+              <a:t>om.pat_enc_csn_id</a:t>
+            </a:r>
+            <a:endParaRPr lang="en-US" dirty="0"/>
+          </a:p>
+          <a:p>
+            <a:r>
+              <a:rPr lang="en-US" dirty="0"/>
+              <a:t>      , </a:t>
+            </a:r>
+            <a:r>
+              <a:rPr lang="en-US" dirty="0" err="1"/>
+              <a:t>om.ordering_date</a:t>
+            </a:r>
+            <a:endParaRPr lang="en-US" dirty="0"/>
+          </a:p>
+          <a:p>
+            <a:r>
+              <a:rPr lang="en-US" dirty="0"/>
+              <a:t>      , </a:t>
+            </a:r>
+            <a:r>
+              <a:rPr lang="en-US" dirty="0" err="1"/>
+              <a:t>om.pharmacy_id</a:t>
+            </a:r>
+            <a:endParaRPr lang="en-US" dirty="0"/>
+          </a:p>
+          <a:p>
+            <a:r>
+              <a:rPr lang="en-US" dirty="0"/>
+              <a:t>      , </a:t>
+            </a:r>
+            <a:r>
+              <a:rPr lang="en-US" dirty="0" err="1"/>
+              <a:t>om.medication_id</a:t>
+            </a:r>
+            <a:endParaRPr lang="en-US" dirty="0"/>
+          </a:p>
+          <a:p>
+            <a:r>
+              <a:rPr lang="en-US" dirty="0"/>
+              <a:t>      , </a:t>
+            </a:r>
+            <a:r>
+              <a:rPr lang="en-US" dirty="0" err="1"/>
+              <a:t>om.sig</a:t>
+            </a:r>
+            <a:endParaRPr lang="en-US" dirty="0"/>
+          </a:p>
+          <a:p>
+            <a:r>
+              <a:rPr lang="en-US" dirty="0"/>
+              <a:t>      , </a:t>
+            </a:r>
+            <a:r>
+              <a:rPr lang="en-US" dirty="0" err="1"/>
+              <a:t>om.quantity</a:t>
+            </a:r>
+            <a:endParaRPr lang="en-US" dirty="0"/>
+          </a:p>
+          <a:p>
+            <a:r>
+              <a:rPr lang="en-US" dirty="0"/>
+              <a:t>      , </a:t>
+            </a:r>
+            <a:r>
+              <a:rPr lang="en-US" dirty="0" err="1"/>
+              <a:t>om.refills</a:t>
+            </a:r>
+            <a:endParaRPr lang="en-US" dirty="0"/>
+          </a:p>
+          <a:p>
+            <a:r>
+              <a:rPr lang="en-US" dirty="0"/>
+              <a:t>      , </a:t>
+            </a:r>
+            <a:r>
+              <a:rPr lang="en-US" dirty="0" err="1"/>
+              <a:t>om.start_date</a:t>
+            </a:r>
+            <a:endParaRPr lang="en-US" dirty="0"/>
+          </a:p>
+          <a:p>
+            <a:r>
+              <a:rPr lang="en-US" dirty="0"/>
+              <a:t>      , </a:t>
+            </a:r>
+            <a:r>
+              <a:rPr lang="en-US" dirty="0" err="1"/>
+              <a:t>om.end_date</a:t>
+            </a:r>
+            <a:endParaRPr lang="en-US" dirty="0"/>
+          </a:p>
+          <a:p>
+            <a:r>
+              <a:rPr lang="en-US" dirty="0"/>
+              <a:t>      , </a:t>
+            </a:r>
+            <a:r>
+              <a:rPr lang="en-US" dirty="0" err="1"/>
+              <a:t>om.med_presc_prov_id</a:t>
+            </a:r>
+            <a:endParaRPr lang="en-US" dirty="0"/>
+          </a:p>
+          <a:p>
+            <a:r>
+              <a:rPr lang="en-US" dirty="0"/>
+              <a:t>      , </a:t>
+            </a:r>
+            <a:r>
+              <a:rPr lang="en-US" dirty="0" err="1"/>
+              <a:t>om.update_date</a:t>
+            </a:r>
+            <a:endParaRPr lang="en-US" dirty="0"/>
+          </a:p>
+          <a:p>
+            <a:r>
+              <a:rPr lang="en-US" dirty="0"/>
+              <a:t>      , </a:t>
+            </a:r>
+            <a:r>
+              <a:rPr lang="en-US" dirty="0" err="1"/>
+              <a:t>om.order_inst</a:t>
+            </a:r>
+            <a:endParaRPr lang="en-US" dirty="0"/>
+          </a:p>
+          <a:p>
+            <a:r>
+              <a:rPr lang="en-US" dirty="0"/>
+              <a:t>      , </a:t>
+            </a:r>
+            <a:r>
+              <a:rPr lang="en-US" dirty="0" err="1"/>
+              <a:t>om.discon_user_id</a:t>
+            </a:r>
+            <a:endParaRPr lang="en-US" dirty="0"/>
+          </a:p>
+          <a:p>
+            <a:r>
+              <a:rPr lang="en-US" dirty="0"/>
+              <a:t>      , </a:t>
+            </a:r>
+            <a:r>
+              <a:rPr lang="en-US" dirty="0" err="1"/>
+              <a:t>om.discon_time</a:t>
+            </a:r>
+            <a:endParaRPr lang="en-US" dirty="0"/>
+          </a:p>
+          <a:p>
+            <a:r>
+              <a:rPr lang="en-US" dirty="0"/>
+              <a:t>      , </a:t>
+            </a:r>
+            <a:r>
+              <a:rPr lang="en-US" dirty="0" err="1"/>
+              <a:t>om.order_start_time</a:t>
+            </a:r>
+            <a:endParaRPr lang="en-US" dirty="0"/>
+          </a:p>
+          <a:p>
+            <a:r>
+              <a:rPr lang="en-US" dirty="0"/>
+              <a:t>      , </a:t>
+            </a:r>
+            <a:r>
+              <a:rPr lang="en-US" dirty="0" err="1"/>
+              <a:t>om.order_end_time</a:t>
+            </a:r>
+            <a:endParaRPr lang="en-US" dirty="0"/>
+          </a:p>
+          <a:p>
+            <a:r>
+              <a:rPr lang="en-US" dirty="0"/>
+              <a:t>      , </a:t>
+            </a:r>
+            <a:r>
+              <a:rPr lang="en-US" dirty="0" err="1"/>
+              <a:t>om.workstation_id</a:t>
+            </a:r>
+            <a:endParaRPr lang="en-US" dirty="0"/>
+          </a:p>
+          <a:p>
+            <a:r>
+              <a:rPr lang="en-US" dirty="0"/>
+              <a:t>      , </a:t>
+            </a:r>
+            <a:r>
+              <a:rPr lang="en-US" dirty="0" err="1"/>
+              <a:t>om.authrzing_prov_id</a:t>
+            </a:r>
+            <a:endParaRPr lang="en-US" dirty="0"/>
+          </a:p>
+          <a:p>
+            <a:r>
+              <a:rPr lang="en-US" dirty="0"/>
+              <a:t>      , </a:t>
+            </a:r>
+            <a:r>
+              <a:rPr lang="en-US" dirty="0" err="1"/>
+              <a:t>om.ord_prov_id</a:t>
+            </a:r>
+            <a:endParaRPr lang="en-US" dirty="0"/>
+          </a:p>
+          <a:p>
+            <a:r>
+              <a:rPr lang="en-US" dirty="0"/>
+              <a:t>      , </a:t>
+            </a:r>
+            <a:r>
+              <a:rPr lang="en-US" dirty="0" err="1"/>
+              <a:t>om.is_pending_ord_yn</a:t>
+            </a:r>
+            <a:endParaRPr lang="en-US" dirty="0"/>
+          </a:p>
+          <a:p>
+            <a:r>
+              <a:rPr lang="en-US" dirty="0"/>
+              <a:t>      , </a:t>
+            </a:r>
+            <a:r>
+              <a:rPr lang="en-US" dirty="0" err="1"/>
+              <a:t>om.med_comments</a:t>
+            </a:r>
+            <a:endParaRPr lang="en-US" dirty="0"/>
+          </a:p>
+          <a:p>
+            <a:r>
+              <a:rPr lang="en-US" dirty="0"/>
+              <a:t>      , </a:t>
+            </a:r>
+            <a:r>
+              <a:rPr lang="en-US" dirty="0" err="1"/>
+              <a:t>om.refills_remaining</a:t>
+            </a:r>
+            <a:endParaRPr lang="en-US" dirty="0"/>
+          </a:p>
+          <a:p>
+            <a:r>
+              <a:rPr lang="en-US" dirty="0"/>
+              <a:t>      , </a:t>
+            </a:r>
+            <a:r>
+              <a:rPr lang="en-US" dirty="0" err="1"/>
+              <a:t>om.med_dis_disp_qty</a:t>
+            </a:r>
+            <a:endParaRPr lang="en-US" dirty="0"/>
+          </a:p>
+          <a:p>
+            <a:r>
+              <a:rPr lang="en-US" dirty="0"/>
+              <a:t>      , </a:t>
+            </a:r>
+            <a:r>
+              <a:rPr lang="en-US" dirty="0" err="1"/>
+              <a:t>om.order_class_c</a:t>
+            </a:r>
+            <a:endParaRPr lang="en-US" dirty="0"/>
+          </a:p>
+          <a:p>
+            <a:r>
+              <a:rPr lang="en-US" dirty="0"/>
+              <a:t>      , </a:t>
+            </a:r>
+            <a:r>
+              <a:rPr lang="en-US" dirty="0" err="1"/>
+              <a:t>om.rsn_for_discon_c</a:t>
+            </a:r>
+            <a:endParaRPr lang="en-US" dirty="0"/>
+          </a:p>
+          <a:p>
+            <a:r>
+              <a:rPr lang="en-US" dirty="0"/>
+              <a:t>      , </a:t>
+            </a:r>
+            <a:r>
+              <a:rPr lang="en-US" dirty="0" err="1"/>
+              <a:t>om.order_status_c</a:t>
+            </a:r>
+            <a:endParaRPr lang="en-US" dirty="0"/>
+          </a:p>
+          <a:p>
+            <a:r>
+              <a:rPr lang="en-US" dirty="0"/>
+              <a:t>      , </a:t>
+            </a:r>
+            <a:r>
+              <a:rPr lang="en-US" dirty="0" err="1"/>
+              <a:t>om.ord_creatr_user_id</a:t>
+            </a:r>
+            <a:endParaRPr lang="en-US" dirty="0"/>
+          </a:p>
+          <a:p>
+            <a:r>
+              <a:rPr lang="en-US" dirty="0"/>
+              <a:t>      , </a:t>
+            </a:r>
+            <a:r>
+              <a:rPr lang="en-US" dirty="0" err="1"/>
+              <a:t>om.pat_loc_id</a:t>
+            </a:r>
+            <a:endParaRPr lang="en-US" dirty="0"/>
+          </a:p>
+          <a:p>
+            <a:r>
+              <a:rPr lang="en-US" dirty="0"/>
+              <a:t>      , </a:t>
+            </a:r>
+            <a:r>
+              <a:rPr lang="en-US" dirty="0" err="1"/>
+              <a:t>om.hv_discrete_dose</a:t>
+            </a:r>
+            <a:endParaRPr lang="en-US" dirty="0"/>
+          </a:p>
+          <a:p>
+            <a:r>
+              <a:rPr lang="en-US" dirty="0"/>
+              <a:t>      , </a:t>
+            </a:r>
+            <a:r>
+              <a:rPr lang="en-US" dirty="0" err="1"/>
+              <a:t>om.hv_discr_freq_id</a:t>
+            </a:r>
+            <a:endParaRPr lang="en-US" dirty="0"/>
+          </a:p>
+          <a:p>
+            <a:r>
+              <a:rPr lang="en-US" dirty="0"/>
+              <a:t>      , </a:t>
+            </a:r>
+            <a:r>
+              <a:rPr lang="en-US" dirty="0" err="1"/>
+              <a:t>om.hv_dose_unit_c</a:t>
+            </a:r>
+            <a:endParaRPr lang="en-US" dirty="0"/>
+          </a:p>
+          <a:p>
+            <a:r>
+              <a:rPr lang="en-US" dirty="0"/>
+              <a:t>      , </a:t>
+            </a:r>
+            <a:r>
+              <a:rPr lang="en-US" dirty="0" err="1"/>
+              <a:t>om.med_route_c</a:t>
+            </a:r>
+            <a:endParaRPr lang="en-US" dirty="0"/>
+          </a:p>
+          <a:p>
+            <a:endParaRPr lang="en-US" dirty="0"/>
+          </a:p>
+          <a:p>
+            <a:r>
+              <a:rPr lang="en-US" dirty="0"/>
+              <a:t>      kraken</a:t>
+            </a:r>
+          </a:p>
+          <a:p>
+            <a:r>
+              <a:rPr lang="en-US" dirty="0"/>
+              <a:t>      view changes</a:t>
+            </a:r>
+          </a:p>
+          <a:p>
+            <a:r>
+              <a:rPr lang="en-US" dirty="0"/>
+              <a:t>      stage </a:t>
+            </a:r>
+            <a:r>
+              <a:rPr lang="en-US" dirty="0" err="1"/>
+              <a:t>main.sas</a:t>
+            </a:r>
+            <a:endParaRPr lang="en-US" dirty="0"/>
+          </a:p>
+          <a:p>
+            <a:r>
+              <a:rPr lang="en-US" dirty="0"/>
+              <a:t>      commit "Refined field list"</a:t>
+            </a:r>
+          </a:p>
+          <a:p>
+            <a:endParaRPr lang="en-US" dirty="0"/>
+          </a:p>
+          <a:p>
+            <a:r>
+              <a:rPr lang="en-US" dirty="0"/>
+              <a:t>      Note that I'm only using the commit summary &amp; not the description--that's arguably bad practice, but </a:t>
+            </a:r>
+            <a:r>
+              <a:rPr lang="en-US" dirty="0" err="1"/>
+              <a:t>whatevs</a:t>
+            </a:r>
+            <a:r>
+              <a:rPr lang="en-US" dirty="0"/>
+              <a:t>--it's a demo. In real life, you can include as much detail as you like--include URLs to issues on your issue tracker, etc.</a:t>
+            </a:r>
+          </a:p>
+          <a:p>
+            <a:endParaRPr lang="en-US" dirty="0"/>
+          </a:p>
+          <a:p>
+            <a:r>
+              <a:rPr lang="en-US" dirty="0"/>
+              <a:t>      Now let's look at the diff view.</a:t>
+            </a:r>
+          </a:p>
+          <a:p>
+            <a:r>
+              <a:rPr lang="en-US" dirty="0"/>
+              <a:t>        pick a commit</a:t>
+            </a:r>
+          </a:p>
+          <a:p>
+            <a:r>
+              <a:rPr lang="en-US" dirty="0"/>
+              <a:t>        the files that were affected in that commit are listed on the right--click one.</a:t>
+            </a:r>
+          </a:p>
+          <a:p>
+            <a:r>
+              <a:rPr lang="en-US" dirty="0"/>
+              <a:t>        how cool is that?</a:t>
+            </a:r>
+          </a:p>
+          <a:p>
+            <a:endParaRPr lang="en-US" dirty="0"/>
+          </a:p>
+          <a:p>
+            <a:r>
+              <a:rPr lang="en-US" dirty="0"/>
+              <a:t>      So you can see it's useful even if you're the only one ever touching this code.</a:t>
+            </a:r>
+          </a:p>
+          <a:p>
+            <a:r>
+              <a:rPr lang="en-US" dirty="0"/>
+              <a:t>        It's a safety-net.</a:t>
+            </a:r>
+          </a:p>
+          <a:p>
+            <a:r>
+              <a:rPr lang="en-US" dirty="0"/>
+              <a:t>        When something is minimally functional--you save the state.</a:t>
+            </a:r>
+          </a:p>
+          <a:p>
+            <a:r>
+              <a:rPr lang="en-US" dirty="0"/>
+              <a:t>        And now--you can be bold.</a:t>
+            </a:r>
+          </a:p>
+          <a:p>
+            <a:r>
+              <a:rPr lang="en-US" dirty="0"/>
+              <a:t>          remove dead-ends in your code that increase the burden of reading it later</a:t>
+            </a:r>
+          </a:p>
+          <a:p>
+            <a:r>
+              <a:rPr lang="en-US" dirty="0"/>
+              <a:t>          try something completely different</a:t>
+            </a:r>
+          </a:p>
+          <a:p>
+            <a:r>
+              <a:rPr lang="en-US" dirty="0"/>
+              <a:t>          you can always get back to your previously functional state.</a:t>
+            </a:r>
+          </a:p>
+          <a:p>
+            <a:r>
+              <a:rPr lang="en-US" dirty="0"/>
+              <a:t>          it's like saving in a video game before you open the door to the boss monster</a:t>
+            </a:r>
+          </a:p>
+          <a:p>
+            <a:endParaRPr lang="en-US" dirty="0"/>
+          </a:p>
+          <a:p>
+            <a:r>
+              <a:rPr lang="en-US" dirty="0"/>
+              <a:t>      So--now imagine we have a good job that we like, and we want to share it with others.  Which we did w/the Utilities repo.</a:t>
+            </a:r>
+          </a:p>
+          <a:p>
+            <a:endParaRPr lang="en-US" dirty="0"/>
+          </a:p>
+          <a:p>
+            <a:r>
+              <a:rPr lang="en-US" dirty="0"/>
+              <a:t>      go to https://github.com/kpwhri</a:t>
+            </a:r>
+          </a:p>
+          <a:p>
+            <a:r>
+              <a:rPr lang="en-US" dirty="0"/>
+              <a:t>      new repo: </a:t>
+            </a:r>
+            <a:r>
+              <a:rPr lang="en-US" dirty="0" err="1"/>
+              <a:t>vdw_utilities</a:t>
+            </a:r>
+            <a:endParaRPr lang="en-US" dirty="0"/>
+          </a:p>
+          <a:p>
+            <a:r>
+              <a:rPr lang="en-US" dirty="0"/>
+              <a:t>      private</a:t>
+            </a:r>
+          </a:p>
+          <a:p>
+            <a:endParaRPr lang="en-US" dirty="0"/>
+          </a:p>
+          <a:p>
+            <a:r>
+              <a:rPr lang="en-US" dirty="0"/>
+              <a:t>      </a:t>
+            </a:r>
+            <a:r>
+              <a:rPr lang="en-US" dirty="0" err="1"/>
+              <a:t>github</a:t>
+            </a:r>
+            <a:r>
+              <a:rPr lang="en-US" dirty="0"/>
+              <a:t> shows the tutorial page for a new empty repo, but we can ignore all but the remote</a:t>
+            </a:r>
+          </a:p>
+          <a:p>
+            <a:r>
+              <a:rPr lang="en-US" dirty="0"/>
+              <a:t>      </a:t>
+            </a:r>
+            <a:r>
+              <a:rPr lang="en-US" dirty="0" err="1"/>
+              <a:t>git@github.com:kpwhri</a:t>
+            </a:r>
+            <a:r>
+              <a:rPr lang="en-US" dirty="0"/>
+              <a:t>/</a:t>
+            </a:r>
+            <a:r>
+              <a:rPr lang="en-US" dirty="0" err="1"/>
+              <a:t>vdw_utilities.git</a:t>
+            </a:r>
+            <a:endParaRPr lang="en-US" dirty="0"/>
+          </a:p>
+          <a:p>
+            <a:r>
+              <a:rPr lang="en-US" dirty="0"/>
+              <a:t>      copy that</a:t>
+            </a:r>
+          </a:p>
+          <a:p>
+            <a:r>
+              <a:rPr lang="en-US" dirty="0"/>
+              <a:t>      kraken</a:t>
+            </a:r>
+          </a:p>
+          <a:p>
+            <a:r>
+              <a:rPr lang="en-US" dirty="0"/>
+              <a:t>      remotes--hit plus button</a:t>
+            </a:r>
+          </a:p>
+          <a:p>
+            <a:r>
+              <a:rPr lang="en-US" dirty="0"/>
+              <a:t>      name ('private </a:t>
+            </a:r>
+            <a:r>
+              <a:rPr lang="en-US" dirty="0" err="1"/>
+              <a:t>github</a:t>
+            </a:r>
+            <a:r>
+              <a:rPr lang="en-US" dirty="0"/>
+              <a:t>') &amp; paste in the remote spec</a:t>
+            </a:r>
+          </a:p>
+          <a:p>
+            <a:r>
+              <a:rPr lang="en-US" dirty="0"/>
+              <a:t>      right click local -&gt; master: set upstream</a:t>
+            </a:r>
+          </a:p>
+          <a:p>
+            <a:r>
+              <a:rPr lang="en-US" dirty="0"/>
+              <a:t>      specify the name you gave when you created the remote</a:t>
+            </a:r>
+          </a:p>
+          <a:p>
+            <a:r>
+              <a:rPr lang="en-US" dirty="0"/>
+              <a:t>      hit push button up top</a:t>
+            </a:r>
+          </a:p>
+          <a:p>
+            <a:r>
+              <a:rPr lang="en-US" dirty="0"/>
+              <a:t>      wait for success message</a:t>
+            </a:r>
+          </a:p>
+          <a:p>
+            <a:r>
+              <a:rPr lang="en-US" dirty="0"/>
+              <a:t>      refresh browser</a:t>
+            </a:r>
+          </a:p>
+          <a:p>
+            <a:endParaRPr lang="en-US" dirty="0"/>
+          </a:p>
+          <a:p>
+            <a:r>
+              <a:rPr lang="en-US" dirty="0"/>
+              <a:t>      Now code and all commits/diffs are backed up &amp; available for download!</a:t>
+            </a:r>
+          </a:p>
+          <a:p>
+            <a:endParaRPr lang="en-US" dirty="0"/>
+          </a:p>
+          <a:p>
+            <a:r>
+              <a:rPr lang="en-US" dirty="0"/>
+              <a:t>      Forking</a:t>
+            </a:r>
+          </a:p>
+          <a:p>
+            <a:r>
+              <a:rPr lang="en-US" dirty="0"/>
+              <a:t>        even better for collaboration!</a:t>
+            </a:r>
+          </a:p>
+          <a:p>
+            <a:r>
+              <a:rPr lang="en-US" dirty="0"/>
+              <a:t>        you get your own copy of the repo</a:t>
+            </a:r>
+          </a:p>
+          <a:p>
+            <a:r>
+              <a:rPr lang="en-US" dirty="0"/>
+              <a:t>        can make changes to your copy--test, make sure it works</a:t>
+            </a:r>
+          </a:p>
+          <a:p>
+            <a:r>
+              <a:rPr lang="en-US" dirty="0"/>
+              <a:t>        then push up to your copy</a:t>
+            </a:r>
+          </a:p>
+          <a:p>
+            <a:r>
+              <a:rPr lang="en-US" dirty="0"/>
+              <a:t>        then, submit a pull request!</a:t>
+            </a:r>
+          </a:p>
+          <a:p>
+            <a:endParaRPr lang="en-US" dirty="0"/>
+          </a:p>
+          <a:p>
+            <a:r>
+              <a:rPr lang="en-US" dirty="0"/>
+              <a:t>        https://github.com/kpwhri/VDW-Census</a:t>
+            </a:r>
+          </a:p>
+          <a:p>
+            <a:r>
+              <a:rPr lang="en-US" dirty="0"/>
+              <a:t>        hit fork to fork into </a:t>
+            </a:r>
+            <a:r>
+              <a:rPr lang="en-US" dirty="0" err="1"/>
+              <a:t>rpardee</a:t>
+            </a:r>
+            <a:endParaRPr lang="en-US" dirty="0"/>
+          </a:p>
+          <a:p>
+            <a:r>
+              <a:rPr lang="en-US" dirty="0"/>
+              <a:t>        now I'm in </a:t>
+            </a:r>
+            <a:r>
+              <a:rPr lang="en-US" dirty="0" err="1"/>
+              <a:t>rpardee</a:t>
+            </a:r>
+            <a:r>
+              <a:rPr lang="en-US" dirty="0"/>
+              <a:t>/VDW-Census</a:t>
+            </a:r>
+          </a:p>
+          <a:p>
+            <a:r>
+              <a:rPr lang="en-US" dirty="0"/>
+              <a:t>        clone--copy</a:t>
+            </a:r>
+          </a:p>
+          <a:p>
+            <a:r>
+              <a:rPr lang="en-US" dirty="0"/>
+              <a:t>        kraken--new</a:t>
+            </a:r>
+          </a:p>
+          <a:p>
+            <a:r>
+              <a:rPr lang="en-US" dirty="0"/>
+              <a:t>        make trivial change</a:t>
+            </a:r>
+          </a:p>
+          <a:p>
+            <a:r>
+              <a:rPr lang="en-US" dirty="0"/>
+              <a:t>        stage</a:t>
+            </a:r>
+          </a:p>
+          <a:p>
+            <a:r>
+              <a:rPr lang="en-US" dirty="0"/>
+              <a:t>        commit</a:t>
+            </a:r>
+          </a:p>
+          <a:p>
+            <a:r>
+              <a:rPr lang="en-US" dirty="0"/>
+              <a:t>        </a:t>
+            </a:r>
+            <a:r>
+              <a:rPr lang="en-US" dirty="0" err="1"/>
+              <a:t>pussh</a:t>
+            </a:r>
+            <a:endParaRPr lang="en-US" dirty="0"/>
+          </a:p>
+          <a:p>
+            <a:r>
+              <a:rPr lang="en-US" dirty="0"/>
+              <a:t>        note # of commits on </a:t>
+            </a:r>
+            <a:r>
+              <a:rPr lang="en-US" dirty="0" err="1"/>
+              <a:t>rpardee</a:t>
+            </a:r>
+            <a:r>
+              <a:rPr lang="en-US" dirty="0"/>
+              <a:t>/VDW-Census</a:t>
+            </a:r>
+          </a:p>
+          <a:p>
+            <a:r>
+              <a:rPr lang="en-US" dirty="0"/>
+              <a:t>        then refresh</a:t>
+            </a:r>
+          </a:p>
+          <a:p>
+            <a:r>
+              <a:rPr lang="en-US" dirty="0"/>
+              <a:t>        hit create pull request</a:t>
+            </a:r>
+          </a:p>
+          <a:p>
+            <a:endParaRPr lang="en-US" dirty="0"/>
+          </a:p>
+          <a:p>
+            <a:endParaRPr lang="en-US" dirty="0"/>
+          </a:p>
+        </p:txBody>
+      </p:sp>
+      <p:sp>
+        <p:nvSpPr>
+          <p:cNvPr id="4" name="Slide Number Placeholder 3"/>
+          <p:cNvSpPr>
+            <a:spLocks noGrp="1"/>
+          </p:cNvSpPr>
+          <p:nvPr>
+            <p:ph type="sldNum" sz="quarter" idx="10"/>
+          </p:nvPr>
+        </p:nvSpPr>
+        <p:spPr/>
+        <p:txBody>
+          <a:bodyPr/>
+          <a:lstStyle/>
+          <a:p>
+            <a:fld id="{708147BC-2534-4C71-B80F-05BC6F2C5C6B}" type="slidenum">
+              <a:rPr lang="en-US" smtClean="0"/>
+              <a:t>5</a:t>
+            </a:fld>
+            <a:endParaRPr lang="en-US"/>
+          </a:p>
+        </p:txBody>
+      </p:sp>
+    </p:spTree>
+    <p:extLst>
+      <p:ext uri="{BB962C8B-B14F-4D97-AF65-F5344CB8AC3E}">
+        <p14:creationId xmlns:p14="http://schemas.microsoft.com/office/powerpoint/2010/main" val="2384635253"/>
       </p:ext>
     </p:extLst>
   </p:cSld>
@@ -3863,7 +5388,7 @@
           <p:cNvPr id="2" name="Title 1">
             <a:extLst>
               <a:ext uri="{FF2B5EF4-FFF2-40B4-BE49-F238E27FC236}">
-                <a16:creationId xmlns:a16="http://schemas.microsoft.com/office/drawing/2014/main" id="{AD48DD64-FDD5-4824-B5E9-D39B3CA35917}"/>
+                <a16:creationId xmlns:a16="http://schemas.microsoft.com/office/drawing/2014/main" id="{242E75D0-935F-47A2-9ED2-072AD0F5CC57}"/>
               </a:ext>
             </a:extLst>
           </p:cNvPr>
@@ -3881,15 +5406,7 @@
           <a:p>
             <a:r>
               <a:rPr lang="en-US" dirty="0"/>
-              <a:t>What is </a:t>
-            </a:r>
-            <a:r>
-              <a:rPr lang="en-US" i="1" dirty="0"/>
-              <a:t>Source Code Control</a:t>
-            </a:r>
-            <a:r>
-              <a:rPr lang="en-US" dirty="0"/>
-              <a:t>?</a:t>
+              <a:t>Ever seen a directory listing like this?</a:t>
             </a:r>
           </a:p>
         </p:txBody>
@@ -3899,7 +5416,7 @@
           <p:cNvPr id="3" name="Content Placeholder 2">
             <a:extLst>
               <a:ext uri="{FF2B5EF4-FFF2-40B4-BE49-F238E27FC236}">
-                <a16:creationId xmlns:a16="http://schemas.microsoft.com/office/drawing/2014/main" id="{6BD3D80D-2A34-4B6A-8910-0CC2D881A587}"/>
+                <a16:creationId xmlns:a16="http://schemas.microsoft.com/office/drawing/2014/main" id="{A3A0FC8F-E2CB-4CEB-8E81-657108B34EC3}"/>
               </a:ext>
             </a:extLst>
           </p:cNvPr>
@@ -3910,106 +5427,171 @@
             <p:ph idx="1"/>
           </p:nvPr>
         </p:nvSpPr>
-        <p:spPr/>
+        <p:spPr>
+          <a:xfrm>
+            <a:off x="838200" y="1394803"/>
+            <a:ext cx="10515600" cy="4988411"/>
+          </a:xfrm>
+        </p:spPr>
         <p:txBody>
           <a:bodyPr>
-            <a:normAutofit fontScale="92500" lnSpcReduction="20000"/>
+            <a:normAutofit/>
           </a:bodyPr>
           <a:lstStyle/>
           <a:p>
-            <a:r>
-              <a:rPr lang="en-US" dirty="0"/>
-              <a:t>AKA “Version Control”</a:t>
-            </a:r>
-          </a:p>
-          <a:p>
-            <a:r>
-              <a:rPr lang="en-US" dirty="0"/>
-              <a:t>Tools for storing changes to files (programs, spreadsheets, etc.) over time, so that you can:</a:t>
-            </a:r>
-          </a:p>
-          <a:p>
-            <a:pPr lvl="1"/>
-            <a:r>
-              <a:rPr lang="en-US" dirty="0"/>
-              <a:t>See exactly </a:t>
-            </a:r>
-          </a:p>
-          <a:p>
-            <a:pPr lvl="2"/>
-            <a:r>
-              <a:rPr lang="en-US" dirty="0"/>
-              <a:t>What changed,</a:t>
-            </a:r>
-          </a:p>
-          <a:p>
-            <a:pPr lvl="2"/>
-            <a:r>
-              <a:rPr lang="en-US" dirty="0"/>
-              <a:t>When it changed, and</a:t>
-            </a:r>
-          </a:p>
-          <a:p>
-            <a:pPr lvl="2"/>
-            <a:r>
-              <a:rPr lang="en-US" dirty="0"/>
-              <a:t>Who changed it.</a:t>
-            </a:r>
-          </a:p>
-          <a:p>
-            <a:pPr lvl="1"/>
-            <a:r>
-              <a:rPr lang="en-US" dirty="0"/>
-              <a:t>Reverse any changes that turned out to be bad</a:t>
-            </a:r>
-          </a:p>
-          <a:p>
-            <a:pPr lvl="1"/>
-            <a:r>
-              <a:rPr lang="en-US" dirty="0"/>
-              <a:t>Travel back and forth in time to see how program changes affect output</a:t>
-            </a:r>
-          </a:p>
-          <a:p>
-            <a:r>
-              <a:rPr lang="en-US" dirty="0"/>
-              <a:t>It’s like </a:t>
-            </a:r>
-            <a:r>
-              <a:rPr lang="en-US" dirty="0" err="1"/>
-              <a:t>winword’s</a:t>
-            </a:r>
-            <a:r>
-              <a:rPr lang="en-US" dirty="0"/>
-              <a:t> “Track Changes”, except for </a:t>
-            </a:r>
-            <a:r>
-              <a:rPr lang="en-US" b="1" dirty="0"/>
-              <a:t>sets of files</a:t>
-            </a:r>
-            <a:r>
-              <a:rPr lang="en-US" dirty="0"/>
-              <a:t>.</a:t>
-            </a:r>
-          </a:p>
-          <a:p>
-            <a:endParaRPr lang="en-US" dirty="0"/>
-          </a:p>
-          <a:p>
             <a:pPr marL="0" indent="0">
               <a:buNone/>
             </a:pPr>
             <a:r>
-              <a:rPr lang="en-US" dirty="0"/>
-              <a:t>In other words, it’s a big-ass “undo” button that works across files.</a:t>
-            </a:r>
+              <a:rPr lang="en-US" altLang="en-US" sz="1800" dirty="0"/>
+              <a:t>/warehouse</a:t>
+            </a:r>
+          </a:p>
+          <a:p>
+            <a:pPr marL="0" indent="0">
+              <a:buNone/>
+            </a:pPr>
+            <a:r>
+              <a:rPr lang="en-US" altLang="en-US" sz="1800" dirty="0"/>
+              <a:t>  /programming</a:t>
+            </a:r>
+          </a:p>
+          <a:p>
+            <a:pPr marL="0" indent="0">
+              <a:buNone/>
+            </a:pPr>
+            <a:r>
+              <a:rPr lang="en-US" altLang="en-US" sz="1800" dirty="0"/>
+              <a:t>    /programs</a:t>
+            </a:r>
+          </a:p>
+          <a:p>
+            <a:pPr marL="0" indent="0">
+              <a:buNone/>
+            </a:pPr>
+            <a:r>
+              <a:rPr lang="en-US" altLang="en-US" sz="1800" dirty="0"/>
+              <a:t>      </a:t>
+            </a:r>
+            <a:r>
+              <a:rPr lang="en-US" altLang="en-US" sz="1800" dirty="0" err="1"/>
+              <a:t>pull_data.sas</a:t>
+            </a:r>
+            <a:endParaRPr lang="en-US" altLang="en-US" sz="1800" dirty="0"/>
+          </a:p>
+          <a:p>
+            <a:pPr marL="0" indent="0">
+              <a:buNone/>
+            </a:pPr>
+            <a:r>
+              <a:rPr lang="en-US" altLang="en-US" sz="1800" dirty="0"/>
+              <a:t>      pull_data2.sas</a:t>
+            </a:r>
+          </a:p>
+          <a:p>
+            <a:pPr marL="0" indent="0">
+              <a:buNone/>
+            </a:pPr>
+            <a:r>
+              <a:rPr lang="en-US" altLang="en-US" sz="1800" dirty="0"/>
+              <a:t>      pull_data3.sas</a:t>
+            </a:r>
+          </a:p>
+          <a:p>
+            <a:pPr marL="0" indent="0">
+              <a:buNone/>
+            </a:pPr>
+            <a:r>
+              <a:rPr lang="en-US" altLang="en-US" sz="1800" dirty="0"/>
+              <a:t>      pull_data4.sas</a:t>
+            </a:r>
+          </a:p>
+          <a:p>
+            <a:pPr marL="0" indent="0">
+              <a:buNone/>
+            </a:pPr>
+            <a:r>
+              <a:rPr lang="en-US" altLang="en-US" sz="1800" dirty="0"/>
+              <a:t>      </a:t>
+            </a:r>
+            <a:r>
+              <a:rPr lang="en-US" altLang="en-US" sz="1800" dirty="0" err="1"/>
+              <a:t>pull_data_final.sas</a:t>
+            </a:r>
+            <a:endParaRPr lang="en-US" altLang="en-US" sz="1800" dirty="0"/>
+          </a:p>
+          <a:p>
+            <a:pPr marL="0" indent="0">
+              <a:buNone/>
+            </a:pPr>
+            <a:r>
+              <a:rPr lang="en-US" altLang="en-US" sz="1800" dirty="0"/>
+              <a:t>      pull_data_final2.sas</a:t>
+            </a:r>
+          </a:p>
+          <a:p>
+            <a:pPr marL="0" indent="0">
+              <a:buNone/>
+            </a:pPr>
+            <a:r>
+              <a:rPr lang="en-US" altLang="en-US" sz="1800" dirty="0"/>
+              <a:t>      </a:t>
+            </a:r>
+            <a:r>
+              <a:rPr lang="en-US" altLang="en-US" sz="1800" dirty="0" err="1"/>
+              <a:t>pull_data_final_kill_me.sas</a:t>
+            </a:r>
+            <a:endParaRPr lang="en-US" altLang="en-US" sz="1800" dirty="0"/>
+          </a:p>
+          <a:p>
+            <a:pPr marL="0" indent="0">
+              <a:buNone/>
+            </a:pPr>
+            <a:r>
+              <a:rPr lang="en-US" altLang="en-US" sz="1800" dirty="0"/>
+              <a:t>      </a:t>
+            </a:r>
+            <a:r>
+              <a:rPr lang="en-US" altLang="en-US" sz="1800" dirty="0" err="1"/>
+              <a:t>die_die_die.sas</a:t>
+            </a:r>
+            <a:endParaRPr lang="en-US" altLang="en-US" sz="1800" dirty="0"/>
+          </a:p>
+          <a:p>
+            <a:pPr marL="0" indent="0">
+              <a:buNone/>
+            </a:pPr>
+            <a:r>
+              <a:rPr lang="en-US" altLang="en-US" sz="1800" dirty="0"/>
+              <a:t>      die_die_die2.sas</a:t>
+            </a:r>
+          </a:p>
+          <a:p>
+            <a:pPr marL="0" indent="0">
+              <a:buNone/>
+            </a:pPr>
+            <a:r>
+              <a:rPr lang="en-US" altLang="en-US" sz="1800" dirty="0"/>
+              <a:t>      </a:t>
+            </a:r>
+            <a:r>
+              <a:rPr lang="en-US" altLang="en-US" sz="1800" dirty="0" err="1"/>
+              <a:t>pull_data_new.sas</a:t>
+            </a:r>
+            <a:endParaRPr lang="en-US" altLang="en-US" sz="1800" dirty="0"/>
+          </a:p>
+          <a:p>
+            <a:pPr marL="0" indent="0">
+              <a:buNone/>
+            </a:pPr>
+            <a:endParaRPr lang="en-US" sz="1800" dirty="0"/>
           </a:p>
         </p:txBody>
       </p:sp>
     </p:spTree>
     <p:extLst>
       <p:ext uri="{BB962C8B-B14F-4D97-AF65-F5344CB8AC3E}">
-        <p14:creationId xmlns:p14="http://schemas.microsoft.com/office/powerpoint/2010/main" val="2717428827"/>
+        <p14:creationId xmlns:p14="http://schemas.microsoft.com/office/powerpoint/2010/main" val="213273468"/>
       </p:ext>
     </p:extLst>
   </p:cSld>
@@ -4041,7 +5623,7 @@
           <p:cNvPr id="2" name="Title 1">
             <a:extLst>
               <a:ext uri="{FF2B5EF4-FFF2-40B4-BE49-F238E27FC236}">
-                <a16:creationId xmlns:a16="http://schemas.microsoft.com/office/drawing/2014/main" id="{C7035EAA-AD96-4A41-B52E-F0A4DDDD0920}"/>
+                <a16:creationId xmlns:a16="http://schemas.microsoft.com/office/drawing/2014/main" id="{AD48DD64-FDD5-4824-B5E9-D39B3CA35917}"/>
               </a:ext>
             </a:extLst>
           </p:cNvPr>
@@ -4059,7 +5641,15 @@
           <a:p>
             <a:r>
               <a:rPr lang="en-US" dirty="0"/>
-              <a:t>What is git?</a:t>
+              <a:t>What is </a:t>
+            </a:r>
+            <a:r>
+              <a:rPr lang="en-US" i="1" dirty="0"/>
+              <a:t>Source Code Control</a:t>
+            </a:r>
+            <a:r>
+              <a:rPr lang="en-US" dirty="0"/>
+              <a:t>?</a:t>
             </a:r>
           </a:p>
         </p:txBody>
@@ -4069,7 +5659,7 @@
           <p:cNvPr id="3" name="Content Placeholder 2">
             <a:extLst>
               <a:ext uri="{FF2B5EF4-FFF2-40B4-BE49-F238E27FC236}">
-                <a16:creationId xmlns:a16="http://schemas.microsoft.com/office/drawing/2014/main" id="{5B116FA6-02A7-417E-BD2D-56B681D7C55C}"/>
+                <a16:creationId xmlns:a16="http://schemas.microsoft.com/office/drawing/2014/main" id="{6BD3D80D-2A34-4B6A-8910-0CC2D881A587}"/>
               </a:ext>
             </a:extLst>
           </p:cNvPr>
@@ -4082,80 +5672,104 @@
         </p:nvSpPr>
         <p:spPr/>
         <p:txBody>
-          <a:bodyPr/>
-          <a:lstStyle/>
-          <a:p>
-            <a:r>
-              <a:rPr lang="en-US" dirty="0"/>
-              <a:t>A multi-platform, free and open-source software package for doing version control.</a:t>
-            </a:r>
-          </a:p>
-          <a:p>
-            <a:r>
-              <a:rPr lang="en-US" dirty="0"/>
-              <a:t>Developed for the people working on the </a:t>
-            </a:r>
-            <a:r>
-              <a:rPr lang="en-US" dirty="0" err="1"/>
-              <a:t>linux</a:t>
-            </a:r>
-            <a:r>
-              <a:rPr lang="en-US" dirty="0"/>
-              <a:t> kernel.</a:t>
-            </a:r>
-          </a:p>
-          <a:p>
-            <a:r>
-              <a:rPr lang="en-US" dirty="0"/>
-              <a:t>Wildly popular.</a:t>
-            </a:r>
-          </a:p>
-          <a:p>
-            <a:r>
-              <a:rPr lang="en-US" dirty="0"/>
-              <a:t>Back in the day, a command-line nightmare.</a:t>
-            </a:r>
-          </a:p>
-          <a:p>
-            <a:r>
-              <a:rPr lang="en-US" dirty="0"/>
-              <a:t>Now—lovely GUI tools!</a:t>
+          <a:bodyPr>
+            <a:normAutofit fontScale="92500" lnSpcReduction="20000"/>
+          </a:bodyPr>
+          <a:lstStyle/>
+          <a:p>
+            <a:r>
+              <a:rPr lang="en-US" dirty="0"/>
+              <a:t>AKA “Version Control”</a:t>
+            </a:r>
+          </a:p>
+          <a:p>
+            <a:r>
+              <a:rPr lang="en-US" dirty="0"/>
+              <a:t>Tools for storing changes to files (programs, spreadsheets, etc.) over time, so that you can</a:t>
             </a:r>
           </a:p>
           <a:p>
             <a:pPr lvl="1"/>
             <a:r>
               <a:rPr lang="en-US" dirty="0"/>
-              <a:t>I’m going to show </a:t>
-            </a:r>
-            <a:r>
-              <a:rPr lang="en-US" dirty="0" err="1"/>
-              <a:t>GitKraken</a:t>
-            </a:r>
-            <a:endParaRPr lang="en-US" dirty="0"/>
+              <a:t>See exactly </a:t>
+            </a:r>
+          </a:p>
+          <a:p>
+            <a:pPr lvl="2"/>
+            <a:r>
+              <a:rPr lang="en-US" dirty="0"/>
+              <a:t>What changed,</a:t>
+            </a:r>
+          </a:p>
+          <a:p>
+            <a:pPr lvl="2"/>
+            <a:r>
+              <a:rPr lang="en-US" dirty="0"/>
+              <a:t>When it changed, and</a:t>
+            </a:r>
+          </a:p>
+          <a:p>
+            <a:pPr lvl="2"/>
+            <a:r>
+              <a:rPr lang="en-US" dirty="0"/>
+              <a:t>Who changed it.</a:t>
+            </a:r>
           </a:p>
           <a:p>
             <a:pPr lvl="1"/>
             <a:r>
-              <a:rPr lang="en-US" dirty="0" err="1"/>
-              <a:t>SourceTree</a:t>
-            </a:r>
-            <a:r>
-              <a:rPr lang="en-US" dirty="0"/>
-              <a:t> also popular (esp. </a:t>
-            </a:r>
-            <a:r>
-              <a:rPr lang="en-US"/>
-              <a:t>at Kaiser)</a:t>
-            </a:r>
-            <a:endParaRPr lang="en-US" dirty="0"/>
+              <a:rPr lang="en-US" dirty="0"/>
+              <a:t>Reverse any changes that turned out to be bad</a:t>
+            </a:r>
+          </a:p>
+          <a:p>
+            <a:pPr lvl="1"/>
+            <a:r>
+              <a:rPr lang="en-US" dirty="0"/>
+              <a:t>Travel back and forth in time to see how program changes affect output</a:t>
+            </a:r>
+          </a:p>
+          <a:p>
+            <a:r>
+              <a:rPr lang="en-US" dirty="0"/>
+              <a:t>It’s like </a:t>
+            </a:r>
+            <a:r>
+              <a:rPr lang="en-US" dirty="0" err="1"/>
+              <a:t>winword’s</a:t>
+            </a:r>
+            <a:r>
+              <a:rPr lang="en-US" dirty="0"/>
+              <a:t> “Track Changes”, except for </a:t>
+            </a:r>
+            <a:r>
+              <a:rPr lang="en-US" b="1" dirty="0"/>
+              <a:t>sets of files</a:t>
+            </a:r>
+            <a:r>
+              <a:rPr lang="en-US" dirty="0"/>
+              <a:t>.</a:t>
+            </a:r>
+          </a:p>
+          <a:p>
+            <a:endParaRPr lang="en-US" dirty="0"/>
+          </a:p>
+          <a:p>
+            <a:pPr marL="0" indent="0">
+              <a:buNone/>
+            </a:pPr>
+            <a:r>
+              <a:rPr lang="en-US" dirty="0"/>
+              <a:t>In other words, it’s a big-ass “undo” button that works across files.</a:t>
+            </a:r>
           </a:p>
         </p:txBody>
       </p:sp>
     </p:spTree>
     <p:extLst>
       <p:ext uri="{BB962C8B-B14F-4D97-AF65-F5344CB8AC3E}">
-        <p14:creationId xmlns:p14="http://schemas.microsoft.com/office/powerpoint/2010/main" val="734582271"/>
+        <p14:creationId xmlns:p14="http://schemas.microsoft.com/office/powerpoint/2010/main" val="2717428827"/>
       </p:ext>
     </p:extLst>
   </p:cSld>
@@ -4187,6 +5801,155 @@
           <p:cNvPr id="2" name="Title 1">
             <a:extLst>
               <a:ext uri="{FF2B5EF4-FFF2-40B4-BE49-F238E27FC236}">
+                <a16:creationId xmlns:a16="http://schemas.microsoft.com/office/drawing/2014/main" id="{C7035EAA-AD96-4A41-B52E-F0A4DDDD0920}"/>
+              </a:ext>
+            </a:extLst>
+          </p:cNvPr>
+          <p:cNvSpPr>
+            <a:spLocks noGrp="1"/>
+          </p:cNvSpPr>
+          <p:nvPr>
+            <p:ph type="title"/>
+          </p:nvPr>
+        </p:nvSpPr>
+        <p:spPr/>
+        <p:txBody>
+          <a:bodyPr/>
+          <a:lstStyle/>
+          <a:p>
+            <a:r>
+              <a:rPr lang="en-US" dirty="0"/>
+              <a:t>What is git?</a:t>
+            </a:r>
+          </a:p>
+        </p:txBody>
+      </p:sp>
+      <p:sp>
+        <p:nvSpPr>
+          <p:cNvPr id="3" name="Content Placeholder 2">
+            <a:extLst>
+              <a:ext uri="{FF2B5EF4-FFF2-40B4-BE49-F238E27FC236}">
+                <a16:creationId xmlns:a16="http://schemas.microsoft.com/office/drawing/2014/main" id="{5B116FA6-02A7-417E-BD2D-56B681D7C55C}"/>
+              </a:ext>
+            </a:extLst>
+          </p:cNvPr>
+          <p:cNvSpPr>
+            <a:spLocks noGrp="1"/>
+          </p:cNvSpPr>
+          <p:nvPr>
+            <p:ph idx="1"/>
+          </p:nvPr>
+        </p:nvSpPr>
+        <p:spPr/>
+        <p:txBody>
+          <a:bodyPr/>
+          <a:lstStyle/>
+          <a:p>
+            <a:r>
+              <a:rPr lang="en-US" dirty="0"/>
+              <a:t>A multi-platform, free and open-source software package for doing version control.</a:t>
+            </a:r>
+          </a:p>
+          <a:p>
+            <a:r>
+              <a:rPr lang="en-US" dirty="0"/>
+              <a:t>Developed for the people working on the </a:t>
+            </a:r>
+            <a:r>
+              <a:rPr lang="en-US" dirty="0" err="1"/>
+              <a:t>linux</a:t>
+            </a:r>
+            <a:r>
+              <a:rPr lang="en-US" dirty="0"/>
+              <a:t> kernel.</a:t>
+            </a:r>
+          </a:p>
+          <a:p>
+            <a:r>
+              <a:rPr lang="en-US" dirty="0"/>
+              <a:t>Wildly popular.</a:t>
+            </a:r>
+          </a:p>
+          <a:p>
+            <a:r>
+              <a:rPr lang="en-US" dirty="0"/>
+              <a:t>Back in the day, a command-line </a:t>
+            </a:r>
+            <a:r>
+              <a:rPr lang="en-US" strike="sngStrike" dirty="0"/>
+              <a:t>nightmare</a:t>
+            </a:r>
+            <a:r>
+              <a:rPr lang="en-US" dirty="0"/>
+              <a:t> experience.</a:t>
+            </a:r>
+          </a:p>
+          <a:p>
+            <a:r>
+              <a:rPr lang="en-US" dirty="0"/>
+              <a:t>Now—lovely GUI tools!</a:t>
+            </a:r>
+          </a:p>
+          <a:p>
+            <a:pPr lvl="1"/>
+            <a:r>
+              <a:rPr lang="en-US" dirty="0"/>
+              <a:t>I’m going to show </a:t>
+            </a:r>
+            <a:r>
+              <a:rPr lang="en-US" dirty="0" err="1"/>
+              <a:t>GitKraken</a:t>
+            </a:r>
+            <a:endParaRPr lang="en-US" dirty="0"/>
+          </a:p>
+          <a:p>
+            <a:pPr lvl="1"/>
+            <a:r>
+              <a:rPr lang="en-US" dirty="0" err="1"/>
+              <a:t>SourceTree</a:t>
+            </a:r>
+            <a:r>
+              <a:rPr lang="en-US" dirty="0"/>
+              <a:t> also popular (esp. at Kaiser)</a:t>
+            </a:r>
+          </a:p>
+        </p:txBody>
+      </p:sp>
+    </p:spTree>
+    <p:extLst>
+      <p:ext uri="{BB962C8B-B14F-4D97-AF65-F5344CB8AC3E}">
+        <p14:creationId xmlns:p14="http://schemas.microsoft.com/office/powerpoint/2010/main" val="734582271"/>
+      </p:ext>
+    </p:extLst>
+  </p:cSld>
+  <p:clrMapOvr>
+    <a:masterClrMapping/>
+  </p:clrMapOvr>
+</p:sld>
+</file>
+
+<file path=ppt/slides/slide5.xml><?xml version="1.0" encoding="utf-8"?>
+<p:sld xmlns:a="http://schemas.openxmlformats.org/drawingml/2006/main" xmlns:r="http://schemas.openxmlformats.org/officeDocument/2006/relationships" xmlns:p="http://schemas.openxmlformats.org/presentationml/2006/main">
+  <p:cSld>
+    <p:spTree>
+      <p:nvGrpSpPr>
+        <p:cNvPr id="1" name=""/>
+        <p:cNvGrpSpPr/>
+        <p:nvPr/>
+      </p:nvGrpSpPr>
+      <p:grpSpPr>
+        <a:xfrm>
+          <a:off x="0" y="0"/>
+          <a:ext cx="0" cy="0"/>
+          <a:chOff x="0" y="0"/>
+          <a:chExt cx="0" cy="0"/>
+        </a:xfrm>
+      </p:grpSpPr>
+      <p:sp>
+        <p:nvSpPr>
+          <p:cNvPr id="2" name="Title 1">
+            <a:extLst>
+              <a:ext uri="{FF2B5EF4-FFF2-40B4-BE49-F238E27FC236}">
                 <a16:creationId xmlns:a16="http://schemas.microsoft.com/office/drawing/2014/main" id="{99F7CD79-3BCE-4853-853E-E021D04B8CA5}"/>
               </a:ext>
             </a:extLst>
@@ -4228,7 +5991,9 @@
         </p:nvSpPr>
         <p:spPr/>
         <p:txBody>
-          <a:bodyPr/>
+          <a:bodyPr>
+            <a:normAutofit lnSpcReduction="10000"/>
+          </a:bodyPr>
           <a:lstStyle/>
           <a:p>
             <a:r>
@@ -4273,11 +6038,7 @@
             <a:pPr lvl="1"/>
             <a:r>
               <a:rPr lang="en-US" dirty="0"/>
-              <a:t>So good </a:t>
-            </a:r>
-            <a:r>
-              <a:rPr lang="en-US"/>
-              <a:t>for deployment</a:t>
+              <a:t>So good for deployment</a:t>
             </a:r>
           </a:p>
           <a:p>
@@ -4292,6 +6053,12 @@
             <a:r>
               <a:rPr lang="en-US" dirty="0"/>
               <a:t>And reject changes you don’t like</a:t>
+            </a:r>
+          </a:p>
+          <a:p>
+            <a:r>
+              <a:rPr lang="en-US" dirty="0"/>
+              <a:t>ENOUGH YAPPING—DEMO TIME!</a:t>
             </a:r>
           </a:p>
         </p:txBody>
@@ -4300,6 +6067,156 @@
     <p:extLst>
       <p:ext uri="{BB962C8B-B14F-4D97-AF65-F5344CB8AC3E}">
         <p14:creationId xmlns:p14="http://schemas.microsoft.com/office/powerpoint/2010/main" val="1969261479"/>
+      </p:ext>
+    </p:extLst>
+  </p:cSld>
+  <p:clrMapOvr>
+    <a:masterClrMapping/>
+  </p:clrMapOvr>
+</p:sld>
+</file>
+
+<file path=ppt/slides/slide6.xml><?xml version="1.0" encoding="utf-8"?>
+<p:sld xmlns:a="http://schemas.openxmlformats.org/drawingml/2006/main" xmlns:r="http://schemas.openxmlformats.org/officeDocument/2006/relationships" xmlns:p="http://schemas.openxmlformats.org/presentationml/2006/main">
+  <p:cSld>
+    <p:spTree>
+      <p:nvGrpSpPr>
+        <p:cNvPr id="1" name=""/>
+        <p:cNvGrpSpPr/>
+        <p:nvPr/>
+      </p:nvGrpSpPr>
+      <p:grpSpPr>
+        <a:xfrm>
+          <a:off x="0" y="0"/>
+          <a:ext cx="0" cy="0"/>
+          <a:chOff x="0" y="0"/>
+          <a:chExt cx="0" cy="0"/>
+        </a:xfrm>
+      </p:grpSpPr>
+      <p:sp>
+        <p:nvSpPr>
+          <p:cNvPr id="2" name="Title 1">
+            <a:extLst>
+              <a:ext uri="{FF2B5EF4-FFF2-40B4-BE49-F238E27FC236}">
+                <a16:creationId xmlns:a16="http://schemas.microsoft.com/office/drawing/2014/main" id="{1B6E35F6-36EB-42EB-93D9-5570EC4B6C31}"/>
+              </a:ext>
+            </a:extLst>
+          </p:cNvPr>
+          <p:cNvSpPr>
+            <a:spLocks noGrp="1"/>
+          </p:cNvSpPr>
+          <p:nvPr>
+            <p:ph type="title"/>
+          </p:nvPr>
+        </p:nvSpPr>
+        <p:spPr/>
+        <p:txBody>
+          <a:bodyPr/>
+          <a:lstStyle/>
+          <a:p>
+            <a:r>
+              <a:rPr lang="en-US" dirty="0"/>
+              <a:t>Details &amp; Caveats</a:t>
+            </a:r>
+          </a:p>
+        </p:txBody>
+      </p:sp>
+      <p:sp>
+        <p:nvSpPr>
+          <p:cNvPr id="3" name="Content Placeholder 2">
+            <a:extLst>
+              <a:ext uri="{FF2B5EF4-FFF2-40B4-BE49-F238E27FC236}">
+                <a16:creationId xmlns:a16="http://schemas.microsoft.com/office/drawing/2014/main" id="{C67CC7DF-3139-4909-B6A3-C8A9197688A9}"/>
+              </a:ext>
+            </a:extLst>
+          </p:cNvPr>
+          <p:cNvSpPr>
+            <a:spLocks noGrp="1"/>
+          </p:cNvSpPr>
+          <p:nvPr>
+            <p:ph idx="1"/>
+          </p:nvPr>
+        </p:nvSpPr>
+        <p:spPr/>
+        <p:txBody>
+          <a:bodyPr/>
+          <a:lstStyle/>
+          <a:p>
+            <a:r>
+              <a:rPr lang="en-US" dirty="0"/>
+              <a:t>KP staff can get at a KP-internal install of </a:t>
+            </a:r>
+            <a:r>
+              <a:rPr lang="en-US" dirty="0" err="1"/>
+              <a:t>BitBucket</a:t>
+            </a:r>
+            <a:r>
+              <a:rPr lang="en-US" dirty="0"/>
+              <a:t> (a </a:t>
+            </a:r>
+            <a:r>
+              <a:rPr lang="en-US" dirty="0" err="1"/>
+              <a:t>github</a:t>
+            </a:r>
+            <a:r>
+              <a:rPr lang="en-US"/>
+              <a:t>-workalike) </a:t>
+            </a:r>
+            <a:r>
+              <a:rPr lang="en-US" dirty="0"/>
+              <a:t>at </a:t>
+            </a:r>
+            <a:r>
+              <a:rPr lang="en-US" dirty="0">
+                <a:hlinkClick r:id="rId2"/>
+              </a:rPr>
+              <a:t>https://stash.kp.org</a:t>
+            </a:r>
+            <a:r>
+              <a:rPr lang="en-US" dirty="0"/>
+              <a:t>.</a:t>
+            </a:r>
+          </a:p>
+          <a:p>
+            <a:pPr lvl="1"/>
+            <a:r>
+              <a:rPr lang="en-US" dirty="0"/>
+              <a:t>Perfect for CESR code!</a:t>
+            </a:r>
+          </a:p>
+          <a:p>
+            <a:r>
+              <a:rPr lang="en-US" dirty="0"/>
+              <a:t>Git is awesome for text files, but less so for binaries.</a:t>
+            </a:r>
+          </a:p>
+          <a:p>
+            <a:pPr lvl="1"/>
+            <a:r>
+              <a:rPr lang="en-US" dirty="0"/>
+              <a:t>No diff functionality. </a:t>
+            </a:r>
+          </a:p>
+          <a:p>
+            <a:pPr lvl="1"/>
+            <a:r>
+              <a:rPr lang="en-US" dirty="0"/>
+              <a:t>If any bit changes, it saves a new version of the file.</a:t>
+            </a:r>
+          </a:p>
+          <a:p>
+            <a:pPr lvl="1"/>
+            <a:r>
+              <a:rPr lang="en-US" dirty="0"/>
+              <a:t>Can bulk up an otherwise svelte repo.</a:t>
+            </a:r>
+          </a:p>
+        </p:txBody>
+      </p:sp>
+    </p:spTree>
+    <p:extLst>
+      <p:ext uri="{BB962C8B-B14F-4D97-AF65-F5344CB8AC3E}">
+        <p14:creationId xmlns:p14="http://schemas.microsoft.com/office/powerpoint/2010/main" val="3954063663"/>
       </p:ext>
     </p:extLst>
   </p:cSld>

--- a/new_git.pptx
+++ b/new_git.pptx
@@ -5,7 +5,7 @@
     <p:sldMasterId id="2147483648" r:id="rId1"/>
   </p:sldMasterIdLst>
   <p:notesMasterIdLst>
-    <p:notesMasterId r:id="rId8"/>
+    <p:notesMasterId r:id="rId10"/>
   </p:notesMasterIdLst>
   <p:sldIdLst>
     <p:sldId id="256" r:id="rId2"/>
@@ -13,7 +13,9 @@
     <p:sldId id="257" r:id="rId4"/>
     <p:sldId id="258" r:id="rId5"/>
     <p:sldId id="259" r:id="rId6"/>
-    <p:sldId id="260" r:id="rId7"/>
+    <p:sldId id="262" r:id="rId7"/>
+    <p:sldId id="263" r:id="rId8"/>
+    <p:sldId id="260" r:id="rId9"/>
   </p:sldIdLst>
   <p:sldSz cx="12192000" cy="6858000"/>
   <p:notesSz cx="6858000" cy="9144000"/>
@@ -206,7 +208,7 @@
           <a:p>
             <a:fld id="{10B76F35-FF3E-452A-BD9D-F67AAF676FCD}" type="datetimeFigureOut">
               <a:rPr lang="en-US" smtClean="0"/>
-              <a:t>10/23/2018</a:t>
+              <a:t>10/24/2018</a:t>
             </a:fld>
             <a:endParaRPr lang="en-US"/>
           </a:p>
@@ -536,6 +538,12 @@
               <a:t> nightmare.</a:t>
             </a:r>
           </a:p>
+          <a:p>
+            <a:r>
+              <a:rPr lang="en-US" dirty="0"/>
+              <a:t>The cure for this ill is source code control.</a:t>
+            </a:r>
+          </a:p>
         </p:txBody>
       </p:sp>
       <p:sp>
@@ -2230,7 +2238,7 @@
           <a:p>
             <a:fld id="{553C09D2-78C2-4BE3-8DE8-0A40F67C6D14}" type="datetimeFigureOut">
               <a:rPr lang="en-US" smtClean="0"/>
-              <a:t>10/23/2018</a:t>
+              <a:t>10/24/2018</a:t>
             </a:fld>
             <a:endParaRPr lang="en-US"/>
           </a:p>
@@ -2428,7 +2436,7 @@
           <a:p>
             <a:fld id="{553C09D2-78C2-4BE3-8DE8-0A40F67C6D14}" type="datetimeFigureOut">
               <a:rPr lang="en-US" smtClean="0"/>
-              <a:t>10/23/2018</a:t>
+              <a:t>10/24/2018</a:t>
             </a:fld>
             <a:endParaRPr lang="en-US"/>
           </a:p>
@@ -2636,7 +2644,7 @@
           <a:p>
             <a:fld id="{553C09D2-78C2-4BE3-8DE8-0A40F67C6D14}" type="datetimeFigureOut">
               <a:rPr lang="en-US" smtClean="0"/>
-              <a:t>10/23/2018</a:t>
+              <a:t>10/24/2018</a:t>
             </a:fld>
             <a:endParaRPr lang="en-US"/>
           </a:p>
@@ -2834,7 +2842,7 @@
           <a:p>
             <a:fld id="{553C09D2-78C2-4BE3-8DE8-0A40F67C6D14}" type="datetimeFigureOut">
               <a:rPr lang="en-US" smtClean="0"/>
-              <a:t>10/23/2018</a:t>
+              <a:t>10/24/2018</a:t>
             </a:fld>
             <a:endParaRPr lang="en-US"/>
           </a:p>
@@ -3109,7 +3117,7 @@
           <a:p>
             <a:fld id="{553C09D2-78C2-4BE3-8DE8-0A40F67C6D14}" type="datetimeFigureOut">
               <a:rPr lang="en-US" smtClean="0"/>
-              <a:t>10/23/2018</a:t>
+              <a:t>10/24/2018</a:t>
             </a:fld>
             <a:endParaRPr lang="en-US"/>
           </a:p>
@@ -3374,7 +3382,7 @@
           <a:p>
             <a:fld id="{553C09D2-78C2-4BE3-8DE8-0A40F67C6D14}" type="datetimeFigureOut">
               <a:rPr lang="en-US" smtClean="0"/>
-              <a:t>10/23/2018</a:t>
+              <a:t>10/24/2018</a:t>
             </a:fld>
             <a:endParaRPr lang="en-US"/>
           </a:p>
@@ -3786,7 +3794,7 @@
           <a:p>
             <a:fld id="{553C09D2-78C2-4BE3-8DE8-0A40F67C6D14}" type="datetimeFigureOut">
               <a:rPr lang="en-US" smtClean="0"/>
-              <a:t>10/23/2018</a:t>
+              <a:t>10/24/2018</a:t>
             </a:fld>
             <a:endParaRPr lang="en-US"/>
           </a:p>
@@ -3927,7 +3935,7 @@
           <a:p>
             <a:fld id="{553C09D2-78C2-4BE3-8DE8-0A40F67C6D14}" type="datetimeFigureOut">
               <a:rPr lang="en-US" smtClean="0"/>
-              <a:t>10/23/2018</a:t>
+              <a:t>10/24/2018</a:t>
             </a:fld>
             <a:endParaRPr lang="en-US"/>
           </a:p>
@@ -4040,7 +4048,7 @@
           <a:p>
             <a:fld id="{553C09D2-78C2-4BE3-8DE8-0A40F67C6D14}" type="datetimeFigureOut">
               <a:rPr lang="en-US" smtClean="0"/>
-              <a:t>10/23/2018</a:t>
+              <a:t>10/24/2018</a:t>
             </a:fld>
             <a:endParaRPr lang="en-US"/>
           </a:p>
@@ -4351,7 +4359,7 @@
           <a:p>
             <a:fld id="{553C09D2-78C2-4BE3-8DE8-0A40F67C6D14}" type="datetimeFigureOut">
               <a:rPr lang="en-US" smtClean="0"/>
-              <a:t>10/23/2018</a:t>
+              <a:t>10/24/2018</a:t>
             </a:fld>
             <a:endParaRPr lang="en-US"/>
           </a:p>
@@ -4639,7 +4647,7 @@
           <a:p>
             <a:fld id="{553C09D2-78C2-4BE3-8DE8-0A40F67C6D14}" type="datetimeFigureOut">
               <a:rPr lang="en-US" smtClean="0"/>
-              <a:t>10/23/2018</a:t>
+              <a:t>10/24/2018</a:t>
             </a:fld>
             <a:endParaRPr lang="en-US"/>
           </a:p>
@@ -4880,7 +4888,7 @@
           <a:p>
             <a:fld id="{553C09D2-78C2-4BE3-8DE8-0A40F67C6D14}" type="datetimeFigureOut">
               <a:rPr lang="en-US" smtClean="0"/>
-              <a:t>10/23/2018</a:t>
+              <a:t>10/24/2018</a:t>
             </a:fld>
             <a:endParaRPr lang="en-US"/>
           </a:p>
@@ -5992,7 +6000,7 @@
         <p:spPr/>
         <p:txBody>
           <a:bodyPr>
-            <a:normAutofit lnSpcReduction="10000"/>
+            <a:normAutofit fontScale="92500" lnSpcReduction="10000"/>
           </a:bodyPr>
           <a:lstStyle/>
           <a:p>
@@ -6054,6 +6062,17 @@
               <a:rPr lang="en-US" dirty="0"/>
               <a:t>And reject changes you don’t like</a:t>
             </a:r>
+          </a:p>
+          <a:p>
+            <a:r>
+              <a:rPr lang="en-US" b="1" dirty="0"/>
+              <a:t>Really</a:t>
+            </a:r>
+            <a:r>
+              <a:rPr lang="en-US" dirty="0"/>
+              <a:t> good for collaboration across sites</a:t>
+            </a:r>
+            <a:endParaRPr lang="en-US" b="1" dirty="0"/>
           </a:p>
           <a:p>
             <a:r>
@@ -6077,6 +6096,316 @@
 </file>
 
 <file path=ppt/slides/slide6.xml><?xml version="1.0" encoding="utf-8"?>
+<p:sld xmlns:a="http://schemas.openxmlformats.org/drawingml/2006/main" xmlns:r="http://schemas.openxmlformats.org/officeDocument/2006/relationships" xmlns:p="http://schemas.openxmlformats.org/presentationml/2006/main">
+  <p:cSld>
+    <p:spTree>
+      <p:nvGrpSpPr>
+        <p:cNvPr id="1" name=""/>
+        <p:cNvGrpSpPr/>
+        <p:nvPr/>
+      </p:nvGrpSpPr>
+      <p:grpSpPr>
+        <a:xfrm>
+          <a:off x="0" y="0"/>
+          <a:ext cx="0" cy="0"/>
+          <a:chOff x="0" y="0"/>
+          <a:chExt cx="0" cy="0"/>
+        </a:xfrm>
+      </p:grpSpPr>
+      <p:sp>
+        <p:nvSpPr>
+          <p:cNvPr id="2" name="Title 1">
+            <a:extLst>
+              <a:ext uri="{FF2B5EF4-FFF2-40B4-BE49-F238E27FC236}">
+                <a16:creationId xmlns:a16="http://schemas.microsoft.com/office/drawing/2014/main" id="{8BD23D65-9503-4DEA-8E5B-72E60BC16AD3}"/>
+              </a:ext>
+            </a:extLst>
+          </p:cNvPr>
+          <p:cNvSpPr>
+            <a:spLocks noGrp="1"/>
+          </p:cNvSpPr>
+          <p:nvPr>
+            <p:ph type="title"/>
+          </p:nvPr>
+        </p:nvSpPr>
+        <p:spPr/>
+        <p:txBody>
+          <a:bodyPr/>
+          <a:lstStyle/>
+          <a:p>
+            <a:r>
+              <a:rPr lang="en-US" dirty="0"/>
+              <a:t>So—useful safety net</a:t>
+            </a:r>
+          </a:p>
+        </p:txBody>
+      </p:sp>
+      <p:sp>
+        <p:nvSpPr>
+          <p:cNvPr id="3" name="Content Placeholder 2">
+            <a:extLst>
+              <a:ext uri="{FF2B5EF4-FFF2-40B4-BE49-F238E27FC236}">
+                <a16:creationId xmlns:a16="http://schemas.microsoft.com/office/drawing/2014/main" id="{8A20B4A0-D70D-43ED-8007-D53696DA6279}"/>
+              </a:ext>
+            </a:extLst>
+          </p:cNvPr>
+          <p:cNvSpPr>
+            <a:spLocks noGrp="1"/>
+          </p:cNvSpPr>
+          <p:nvPr>
+            <p:ph idx="1"/>
+          </p:nvPr>
+        </p:nvSpPr>
+        <p:spPr/>
+        <p:txBody>
+          <a:bodyPr>
+            <a:normAutofit fontScale="92500"/>
+          </a:bodyPr>
+          <a:lstStyle/>
+          <a:p>
+            <a:r>
+              <a:rPr lang="en-US" dirty="0"/>
+              <a:t>Even if you're the only one ever touching the code. </a:t>
+            </a:r>
+          </a:p>
+          <a:p>
+            <a:r>
+              <a:rPr lang="en-US" dirty="0"/>
+              <a:t>When something is minimally functional--you save the state with a commit.</a:t>
+            </a:r>
+          </a:p>
+          <a:p>
+            <a:r>
+              <a:rPr lang="en-US" dirty="0"/>
+              <a:t>And now--you can be </a:t>
+            </a:r>
+            <a:r>
+              <a:rPr lang="en-US" b="1" dirty="0"/>
+              <a:t>bold</a:t>
+            </a:r>
+            <a:r>
+              <a:rPr lang="en-US" dirty="0"/>
+              <a:t>.</a:t>
+            </a:r>
+          </a:p>
+          <a:p>
+            <a:pPr lvl="1"/>
+            <a:r>
+              <a:rPr lang="en-US" dirty="0"/>
+              <a:t>remove dead-ends in your code that increase the burden of reading it later</a:t>
+            </a:r>
+          </a:p>
+          <a:p>
+            <a:pPr lvl="1"/>
+            <a:r>
+              <a:rPr lang="en-US" dirty="0"/>
+              <a:t>try something </a:t>
+            </a:r>
+            <a:r>
+              <a:rPr lang="en-US" i="1" dirty="0"/>
+              <a:t>completely</a:t>
+            </a:r>
+            <a:r>
+              <a:rPr lang="en-US" dirty="0"/>
+              <a:t> different</a:t>
+            </a:r>
+          </a:p>
+          <a:p>
+            <a:pPr lvl="1"/>
+            <a:r>
+              <a:rPr lang="en-US" dirty="0"/>
+              <a:t>Re-org—consolidate all your formats in a separate ‘</a:t>
+            </a:r>
+            <a:r>
+              <a:rPr lang="en-US" dirty="0" err="1"/>
+              <a:t>formats.sas</a:t>
+            </a:r>
+            <a:r>
+              <a:rPr lang="en-US" dirty="0"/>
+              <a:t>’ file, say.</a:t>
+            </a:r>
+          </a:p>
+          <a:p>
+            <a:r>
+              <a:rPr lang="en-US" dirty="0"/>
+              <a:t>You can always get back to your previous functional state (all of them!)</a:t>
+            </a:r>
+          </a:p>
+          <a:p>
+            <a:r>
+              <a:rPr lang="en-US" dirty="0"/>
+              <a:t>It's like saving in a video game right before you open the door to the boss monster’s lair</a:t>
+            </a:r>
+          </a:p>
+          <a:p>
+            <a:r>
+              <a:rPr lang="en-US" dirty="0">
+                <a:hlinkClick r:id="rId2"/>
+              </a:rPr>
+              <a:t>BUT THERE’S MORE</a:t>
+            </a:r>
+            <a:r>
+              <a:rPr lang="en-US" dirty="0"/>
+              <a:t>! Let’s share some code.</a:t>
+            </a:r>
+          </a:p>
+        </p:txBody>
+      </p:sp>
+    </p:spTree>
+    <p:extLst>
+      <p:ext uri="{BB962C8B-B14F-4D97-AF65-F5344CB8AC3E}">
+        <p14:creationId xmlns:p14="http://schemas.microsoft.com/office/powerpoint/2010/main" val="4137517308"/>
+      </p:ext>
+    </p:extLst>
+  </p:cSld>
+  <p:clrMapOvr>
+    <a:masterClrMapping/>
+  </p:clrMapOvr>
+</p:sld>
+</file>
+
+<file path=ppt/slides/slide7.xml><?xml version="1.0" encoding="utf-8"?>
+<p:sld xmlns:a="http://schemas.openxmlformats.org/drawingml/2006/main" xmlns:r="http://schemas.openxmlformats.org/officeDocument/2006/relationships" xmlns:p="http://schemas.openxmlformats.org/presentationml/2006/main">
+  <p:cSld>
+    <p:spTree>
+      <p:nvGrpSpPr>
+        <p:cNvPr id="1" name=""/>
+        <p:cNvGrpSpPr/>
+        <p:nvPr/>
+      </p:nvGrpSpPr>
+      <p:grpSpPr>
+        <a:xfrm>
+          <a:off x="0" y="0"/>
+          <a:ext cx="0" cy="0"/>
+          <a:chOff x="0" y="0"/>
+          <a:chExt cx="0" cy="0"/>
+        </a:xfrm>
+      </p:grpSpPr>
+      <p:sp>
+        <p:nvSpPr>
+          <p:cNvPr id="2" name="Title 1">
+            <a:extLst>
+              <a:ext uri="{FF2B5EF4-FFF2-40B4-BE49-F238E27FC236}">
+                <a16:creationId xmlns:a16="http://schemas.microsoft.com/office/drawing/2014/main" id="{59D75493-9E33-4F3F-B776-B68479AD7517}"/>
+              </a:ext>
+            </a:extLst>
+          </p:cNvPr>
+          <p:cNvSpPr>
+            <a:spLocks noGrp="1"/>
+          </p:cNvSpPr>
+          <p:nvPr>
+            <p:ph type="title"/>
+          </p:nvPr>
+        </p:nvSpPr>
+        <p:spPr/>
+        <p:txBody>
+          <a:bodyPr/>
+          <a:lstStyle/>
+          <a:p>
+            <a:r>
+              <a:rPr lang="en-US" dirty="0"/>
+              <a:t>Excellent Code Distribution Method</a:t>
+            </a:r>
+          </a:p>
+        </p:txBody>
+      </p:sp>
+      <p:sp>
+        <p:nvSpPr>
+          <p:cNvPr id="3" name="Content Placeholder 2">
+            <a:extLst>
+              <a:ext uri="{FF2B5EF4-FFF2-40B4-BE49-F238E27FC236}">
+                <a16:creationId xmlns:a16="http://schemas.microsoft.com/office/drawing/2014/main" id="{75F7FFCA-B057-4987-A452-366452C295A2}"/>
+              </a:ext>
+            </a:extLst>
+          </p:cNvPr>
+          <p:cNvSpPr>
+            <a:spLocks noGrp="1"/>
+          </p:cNvSpPr>
+          <p:nvPr>
+            <p:ph idx="1"/>
+          </p:nvPr>
+        </p:nvSpPr>
+        <p:spPr/>
+        <p:txBody>
+          <a:bodyPr/>
+          <a:lstStyle/>
+          <a:p>
+            <a:r>
+              <a:rPr lang="en-US" dirty="0"/>
+              <a:t>Users can see the code in their browser</a:t>
+            </a:r>
+          </a:p>
+          <a:p>
+            <a:r>
+              <a:rPr lang="en-US" dirty="0"/>
+              <a:t>Very easy to make sure you have the very latest version</a:t>
+            </a:r>
+          </a:p>
+          <a:p>
+            <a:r>
+              <a:rPr lang="en-US" dirty="0"/>
+              <a:t>And to see what’s changed, who changed it, etc. etc.</a:t>
+            </a:r>
+          </a:p>
+          <a:p>
+            <a:r>
+              <a:rPr lang="en-US" dirty="0"/>
+              <a:t>Plus now the code is backed up</a:t>
+            </a:r>
+          </a:p>
+          <a:p>
+            <a:endParaRPr lang="en-US" dirty="0"/>
+          </a:p>
+          <a:p>
+            <a:pPr marL="0" indent="0">
+              <a:buNone/>
+            </a:pPr>
+            <a:r>
+              <a:rPr lang="en-US" dirty="0"/>
+              <a:t>(Now you know what those readme.md files are about)</a:t>
+            </a:r>
+          </a:p>
+          <a:p>
+            <a:pPr marL="0" indent="0">
+              <a:buNone/>
+            </a:pPr>
+            <a:endParaRPr lang="en-US" dirty="0"/>
+          </a:p>
+          <a:p>
+            <a:pPr marL="0" indent="0">
+              <a:buNone/>
+            </a:pPr>
+            <a:r>
+              <a:rPr lang="en-US" dirty="0"/>
+              <a:t>BUT WAIT—THERE’S MORE! Let’s </a:t>
+            </a:r>
+            <a:r>
+              <a:rPr lang="en-US" i="1" dirty="0">
+                <a:hlinkClick r:id="rId2"/>
+              </a:rPr>
+              <a:t>Collaborate</a:t>
+            </a:r>
+            <a:r>
+              <a:rPr lang="en-US" dirty="0"/>
+              <a:t>.</a:t>
+            </a:r>
+          </a:p>
+        </p:txBody>
+      </p:sp>
+    </p:spTree>
+    <p:extLst>
+      <p:ext uri="{BB962C8B-B14F-4D97-AF65-F5344CB8AC3E}">
+        <p14:creationId xmlns:p14="http://schemas.microsoft.com/office/powerpoint/2010/main" val="745803337"/>
+      </p:ext>
+    </p:extLst>
+  </p:cSld>
+  <p:clrMapOvr>
+    <a:masterClrMapping/>
+  </p:clrMapOvr>
+</p:sld>
+</file>
+
+<file path=ppt/slides/slide8.xml><?xml version="1.0" encoding="utf-8"?>
 <p:sld xmlns:a="http://schemas.openxmlformats.org/drawingml/2006/main" xmlns:r="http://schemas.openxmlformats.org/officeDocument/2006/relationships" xmlns:p="http://schemas.openxmlformats.org/presentationml/2006/main">
   <p:cSld>
     <p:spTree>

--- a/new_git.pptx
+++ b/new_git.pptx
@@ -5,7 +5,7 @@
     <p:sldMasterId id="2147483648" r:id="rId1"/>
   </p:sldMasterIdLst>
   <p:notesMasterIdLst>
-    <p:notesMasterId r:id="rId10"/>
+    <p:notesMasterId r:id="rId12"/>
   </p:notesMasterIdLst>
   <p:sldIdLst>
     <p:sldId id="256" r:id="rId2"/>
@@ -15,7 +15,9 @@
     <p:sldId id="259" r:id="rId6"/>
     <p:sldId id="262" r:id="rId7"/>
     <p:sldId id="263" r:id="rId8"/>
-    <p:sldId id="260" r:id="rId9"/>
+    <p:sldId id="264" r:id="rId9"/>
+    <p:sldId id="260" r:id="rId10"/>
+    <p:sldId id="265" r:id="rId11"/>
   </p:sldIdLst>
   <p:sldSz cx="12192000" cy="6858000"/>
   <p:notesSz cx="6858000" cy="9144000"/>
@@ -5374,6 +5376,89 @@
 </p:sld>
 </file>
 
+<file path=ppt/slides/slide10.xml><?xml version="1.0" encoding="utf-8"?>
+<p:sld xmlns:a="http://schemas.openxmlformats.org/drawingml/2006/main" xmlns:r="http://schemas.openxmlformats.org/officeDocument/2006/relationships" xmlns:p="http://schemas.openxmlformats.org/presentationml/2006/main">
+  <p:cSld>
+    <p:spTree>
+      <p:nvGrpSpPr>
+        <p:cNvPr id="1" name=""/>
+        <p:cNvGrpSpPr/>
+        <p:nvPr/>
+      </p:nvGrpSpPr>
+      <p:grpSpPr>
+        <a:xfrm>
+          <a:off x="0" y="0"/>
+          <a:ext cx="0" cy="0"/>
+          <a:chOff x="0" y="0"/>
+          <a:chExt cx="0" cy="0"/>
+        </a:xfrm>
+      </p:grpSpPr>
+      <p:sp>
+        <p:nvSpPr>
+          <p:cNvPr id="4" name="Title 3">
+            <a:extLst>
+              <a:ext uri="{FF2B5EF4-FFF2-40B4-BE49-F238E27FC236}">
+                <a16:creationId xmlns:a16="http://schemas.microsoft.com/office/drawing/2014/main" id="{34F9361D-9014-43B5-94C4-430DAE5897FD}"/>
+              </a:ext>
+            </a:extLst>
+          </p:cNvPr>
+          <p:cNvSpPr>
+            <a:spLocks noGrp="1"/>
+          </p:cNvSpPr>
+          <p:nvPr>
+            <p:ph type="title"/>
+          </p:nvPr>
+        </p:nvSpPr>
+        <p:spPr/>
+        <p:txBody>
+          <a:bodyPr/>
+          <a:lstStyle/>
+          <a:p>
+            <a:r>
+              <a:rPr lang="en-US"/>
+              <a:t>Thank you!</a:t>
+            </a:r>
+          </a:p>
+        </p:txBody>
+      </p:sp>
+      <p:sp>
+        <p:nvSpPr>
+          <p:cNvPr id="5" name="Text Placeholder 4">
+            <a:extLst>
+              <a:ext uri="{FF2B5EF4-FFF2-40B4-BE49-F238E27FC236}">
+                <a16:creationId xmlns:a16="http://schemas.microsoft.com/office/drawing/2014/main" id="{07EE6320-DCE9-4256-948D-1628BE58B5AF}"/>
+              </a:ext>
+            </a:extLst>
+          </p:cNvPr>
+          <p:cNvSpPr>
+            <a:spLocks noGrp="1"/>
+          </p:cNvSpPr>
+          <p:nvPr>
+            <p:ph type="body" idx="1"/>
+          </p:nvPr>
+        </p:nvSpPr>
+        <p:spPr/>
+        <p:txBody>
+          <a:bodyPr/>
+          <a:lstStyle/>
+          <a:p>
+            <a:endParaRPr lang="en-US"/>
+          </a:p>
+        </p:txBody>
+      </p:sp>
+    </p:spTree>
+    <p:extLst>
+      <p:ext uri="{BB962C8B-B14F-4D97-AF65-F5344CB8AC3E}">
+        <p14:creationId xmlns:p14="http://schemas.microsoft.com/office/powerpoint/2010/main" val="2799466622"/>
+      </p:ext>
+    </p:extLst>
+  </p:cSld>
+  <p:clrMapOvr>
+    <a:masterClrMapping/>
+  </p:clrMapOvr>
+</p:sld>
+</file>
+
 <file path=ppt/slides/slide2.xml><?xml version="1.0" encoding="utf-8"?>
 <p:sld xmlns:a="http://schemas.openxmlformats.org/drawingml/2006/main" xmlns:r="http://schemas.openxmlformats.org/officeDocument/2006/relationships" xmlns:p="http://schemas.openxmlformats.org/presentationml/2006/main">
   <p:cSld>
@@ -6427,6 +6512,104 @@
           <p:cNvPr id="2" name="Title 1">
             <a:extLst>
               <a:ext uri="{FF2B5EF4-FFF2-40B4-BE49-F238E27FC236}">
+                <a16:creationId xmlns:a16="http://schemas.microsoft.com/office/drawing/2014/main" id="{76C70D22-CFE6-4014-8DA3-60C65CDFB3DE}"/>
+              </a:ext>
+            </a:extLst>
+          </p:cNvPr>
+          <p:cNvSpPr>
+            <a:spLocks noGrp="1"/>
+          </p:cNvSpPr>
+          <p:nvPr>
+            <p:ph type="title"/>
+          </p:nvPr>
+        </p:nvSpPr>
+        <p:spPr/>
+        <p:txBody>
+          <a:bodyPr/>
+          <a:lstStyle/>
+          <a:p>
+            <a:r>
+              <a:rPr lang="en-US" dirty="0"/>
+              <a:t>So Civilized!</a:t>
+            </a:r>
+          </a:p>
+        </p:txBody>
+      </p:sp>
+      <p:sp>
+        <p:nvSpPr>
+          <p:cNvPr id="3" name="Content Placeholder 2">
+            <a:extLst>
+              <a:ext uri="{FF2B5EF4-FFF2-40B4-BE49-F238E27FC236}">
+                <a16:creationId xmlns:a16="http://schemas.microsoft.com/office/drawing/2014/main" id="{77C8E986-06AA-456E-8A6D-DEA8DBB4C58F}"/>
+              </a:ext>
+            </a:extLst>
+          </p:cNvPr>
+          <p:cNvSpPr>
+            <a:spLocks noGrp="1"/>
+          </p:cNvSpPr>
+          <p:nvPr>
+            <p:ph idx="1"/>
+          </p:nvPr>
+        </p:nvSpPr>
+        <p:spPr/>
+        <p:txBody>
+          <a:bodyPr/>
+          <a:lstStyle/>
+          <a:p>
+            <a:r>
+              <a:rPr lang="en-US" dirty="0"/>
+              <a:t>The Fork is your alternate universe, if you want it.</a:t>
+            </a:r>
+          </a:p>
+          <a:p>
+            <a:r>
+              <a:rPr lang="en-US" dirty="0"/>
+              <a:t>Sometimes it’s just useful for getting a code change you want over to the author.</a:t>
+            </a:r>
+          </a:p>
+          <a:p>
+            <a:r>
+              <a:rPr lang="en-US" dirty="0"/>
+              <a:t>Makes it maximally easy for the person whose code you’ve forked.</a:t>
+            </a:r>
+          </a:p>
+        </p:txBody>
+      </p:sp>
+    </p:spTree>
+    <p:extLst>
+      <p:ext uri="{BB962C8B-B14F-4D97-AF65-F5344CB8AC3E}">
+        <p14:creationId xmlns:p14="http://schemas.microsoft.com/office/powerpoint/2010/main" val="1099826622"/>
+      </p:ext>
+    </p:extLst>
+  </p:cSld>
+  <p:clrMapOvr>
+    <a:masterClrMapping/>
+  </p:clrMapOvr>
+</p:sld>
+</file>
+
+<file path=ppt/slides/slide9.xml><?xml version="1.0" encoding="utf-8"?>
+<p:sld xmlns:a="http://schemas.openxmlformats.org/drawingml/2006/main" xmlns:r="http://schemas.openxmlformats.org/officeDocument/2006/relationships" xmlns:p="http://schemas.openxmlformats.org/presentationml/2006/main">
+  <p:cSld>
+    <p:spTree>
+      <p:nvGrpSpPr>
+        <p:cNvPr id="1" name=""/>
+        <p:cNvGrpSpPr/>
+        <p:nvPr/>
+      </p:nvGrpSpPr>
+      <p:grpSpPr>
+        <a:xfrm>
+          <a:off x="0" y="0"/>
+          <a:ext cx="0" cy="0"/>
+          <a:chOff x="0" y="0"/>
+          <a:chExt cx="0" cy="0"/>
+        </a:xfrm>
+      </p:grpSpPr>
+      <p:sp>
+        <p:nvSpPr>
+          <p:cNvPr id="2" name="Title 1">
+            <a:extLst>
+              <a:ext uri="{FF2B5EF4-FFF2-40B4-BE49-F238E27FC236}">
                 <a16:creationId xmlns:a16="http://schemas.microsoft.com/office/drawing/2014/main" id="{1B6E35F6-36EB-42EB-93D9-5570EC4B6C31}"/>
               </a:ext>
             </a:extLst>
@@ -6488,12 +6671,8 @@
               <a:t>github</a:t>
             </a:r>
             <a:r>
-              <a:rPr lang="en-US"/>
-              <a:t>-workalike) </a:t>
-            </a:r>
-            <a:r>
-              <a:rPr lang="en-US" dirty="0"/>
-              <a:t>at </a:t>
+              <a:rPr lang="en-US" dirty="0"/>
+              <a:t>-workalike) at </a:t>
             </a:r>
             <a:r>
               <a:rPr lang="en-US" dirty="0">
@@ -6537,7 +6716,7 @@
             <a:pPr lvl="1"/>
             <a:r>
               <a:rPr lang="en-US" dirty="0"/>
-              <a:t>Can bulk up an otherwise svelte repo.</a:t>
+              <a:t>Can bulk up an otherwise trim repo.</a:t>
             </a:r>
           </a:p>
         </p:txBody>

--- a/new_git.pptx
+++ b/new_git.pptx
@@ -124,10 +124,6 @@
 </p:presentation>
 </file>
 
-<file path=ppt/revisionInfo.xml><?xml version="1.0" encoding="utf-8"?>
-<p1510:revInfo xmlns:a="http://schemas.openxmlformats.org/drawingml/2006/main" xmlns:r="http://schemas.openxmlformats.org/officeDocument/2006/relationships" xmlns:p1510="http://schemas.microsoft.com/office/powerpoint/2015/10/main"/>
-</file>
-
 <file path=ppt/notesMasters/notesMaster1.xml><?xml version="1.0" encoding="utf-8"?>
 <p:notesMaster xmlns:a="http://schemas.openxmlformats.org/drawingml/2006/main" xmlns:r="http://schemas.openxmlformats.org/officeDocument/2006/relationships" xmlns:p="http://schemas.openxmlformats.org/presentationml/2006/main">
   <p:cSld>
@@ -210,7 +206,7 @@
           <a:p>
             <a:fld id="{10B76F35-FF3E-452A-BD9D-F67AAF676FCD}" type="datetimeFigureOut">
               <a:rPr lang="en-US" smtClean="0"/>
-              <a:t>10/24/2018</a:t>
+              <a:t>4/29/2019</a:t>
             </a:fld>
             <a:endParaRPr lang="en-US"/>
           </a:p>
@@ -2240,7 +2236,7 @@
           <a:p>
             <a:fld id="{553C09D2-78C2-4BE3-8DE8-0A40F67C6D14}" type="datetimeFigureOut">
               <a:rPr lang="en-US" smtClean="0"/>
-              <a:t>10/24/2018</a:t>
+              <a:t>4/29/2019</a:t>
             </a:fld>
             <a:endParaRPr lang="en-US"/>
           </a:p>
@@ -2438,7 +2434,7 @@
           <a:p>
             <a:fld id="{553C09D2-78C2-4BE3-8DE8-0A40F67C6D14}" type="datetimeFigureOut">
               <a:rPr lang="en-US" smtClean="0"/>
-              <a:t>10/24/2018</a:t>
+              <a:t>4/29/2019</a:t>
             </a:fld>
             <a:endParaRPr lang="en-US"/>
           </a:p>
@@ -2646,7 +2642,7 @@
           <a:p>
             <a:fld id="{553C09D2-78C2-4BE3-8DE8-0A40F67C6D14}" type="datetimeFigureOut">
               <a:rPr lang="en-US" smtClean="0"/>
-              <a:t>10/24/2018</a:t>
+              <a:t>4/29/2019</a:t>
             </a:fld>
             <a:endParaRPr lang="en-US"/>
           </a:p>
@@ -2844,7 +2840,7 @@
           <a:p>
             <a:fld id="{553C09D2-78C2-4BE3-8DE8-0A40F67C6D14}" type="datetimeFigureOut">
               <a:rPr lang="en-US" smtClean="0"/>
-              <a:t>10/24/2018</a:t>
+              <a:t>4/29/2019</a:t>
             </a:fld>
             <a:endParaRPr lang="en-US"/>
           </a:p>
@@ -3119,7 +3115,7 @@
           <a:p>
             <a:fld id="{553C09D2-78C2-4BE3-8DE8-0A40F67C6D14}" type="datetimeFigureOut">
               <a:rPr lang="en-US" smtClean="0"/>
-              <a:t>10/24/2018</a:t>
+              <a:t>4/29/2019</a:t>
             </a:fld>
             <a:endParaRPr lang="en-US"/>
           </a:p>
@@ -3384,7 +3380,7 @@
           <a:p>
             <a:fld id="{553C09D2-78C2-4BE3-8DE8-0A40F67C6D14}" type="datetimeFigureOut">
               <a:rPr lang="en-US" smtClean="0"/>
-              <a:t>10/24/2018</a:t>
+              <a:t>4/29/2019</a:t>
             </a:fld>
             <a:endParaRPr lang="en-US"/>
           </a:p>
@@ -3796,7 +3792,7 @@
           <a:p>
             <a:fld id="{553C09D2-78C2-4BE3-8DE8-0A40F67C6D14}" type="datetimeFigureOut">
               <a:rPr lang="en-US" smtClean="0"/>
-              <a:t>10/24/2018</a:t>
+              <a:t>4/29/2019</a:t>
             </a:fld>
             <a:endParaRPr lang="en-US"/>
           </a:p>
@@ -3937,7 +3933,7 @@
           <a:p>
             <a:fld id="{553C09D2-78C2-4BE3-8DE8-0A40F67C6D14}" type="datetimeFigureOut">
               <a:rPr lang="en-US" smtClean="0"/>
-              <a:t>10/24/2018</a:t>
+              <a:t>4/29/2019</a:t>
             </a:fld>
             <a:endParaRPr lang="en-US"/>
           </a:p>
@@ -4050,7 +4046,7 @@
           <a:p>
             <a:fld id="{553C09D2-78C2-4BE3-8DE8-0A40F67C6D14}" type="datetimeFigureOut">
               <a:rPr lang="en-US" smtClean="0"/>
-              <a:t>10/24/2018</a:t>
+              <a:t>4/29/2019</a:t>
             </a:fld>
             <a:endParaRPr lang="en-US"/>
           </a:p>
@@ -4361,7 +4357,7 @@
           <a:p>
             <a:fld id="{553C09D2-78C2-4BE3-8DE8-0A40F67C6D14}" type="datetimeFigureOut">
               <a:rPr lang="en-US" smtClean="0"/>
-              <a:t>10/24/2018</a:t>
+              <a:t>4/29/2019</a:t>
             </a:fld>
             <a:endParaRPr lang="en-US"/>
           </a:p>
@@ -4649,7 +4645,7 @@
           <a:p>
             <a:fld id="{553C09D2-78C2-4BE3-8DE8-0A40F67C6D14}" type="datetimeFigureOut">
               <a:rPr lang="en-US" smtClean="0"/>
-              <a:t>10/24/2018</a:t>
+              <a:t>4/29/2019</a:t>
             </a:fld>
             <a:endParaRPr lang="en-US"/>
           </a:p>
@@ -4890,7 +4886,7 @@
           <a:p>
             <a:fld id="{553C09D2-78C2-4BE3-8DE8-0A40F67C6D14}" type="datetimeFigureOut">
               <a:rPr lang="en-US" smtClean="0"/>
-              <a:t>10/24/2018</a:t>
+              <a:t>4/29/2019</a:t>
             </a:fld>
             <a:endParaRPr lang="en-US"/>
           </a:p>
@@ -5330,7 +5326,15 @@
           <a:p>
             <a:r>
               <a:rPr lang="en-US" dirty="0"/>
-              <a:t>Git for VDW Work</a:t>
+              <a:t>Git </a:t>
+            </a:r>
+            <a:r>
+              <a:rPr lang="en-US"/>
+              <a:t>for SAS </a:t>
+            </a:r>
+            <a:r>
+              <a:rPr lang="en-US" dirty="0"/>
+              <a:t>Work</a:t>
             </a:r>
           </a:p>
         </p:txBody>
